--- a/Plakat_Kulikov.pptx
+++ b/Plakat_Kulikov.pptx
@@ -117,20 +117,15 @@
   </p:defaultTextStyle>
   <p:extLst>
     <p:ext uri="{EFAFB233-063F-42B5-8137-9DF3F51BA10A}">
-      <p15:sldGuideLst xmlns="" xmlns:p15="http://schemas.microsoft.com/office/powerpoint/2012/main"/>
+      <p15:sldGuideLst xmlns:p15="http://schemas.microsoft.com/office/powerpoint/2012/main" xmlns=""/>
     </p:ext>
   </p:extLst>
 </p:presentation>
 </file>
 
 <file path=ppt/slideLayouts/slideLayout1.xml><?xml version="1.0" encoding="utf-8"?>
-<p:sldLayout xmlns:a="http://schemas.openxmlformats.org/drawingml/2006/main" xmlns:r="http://schemas.openxmlformats.org/officeDocument/2006/relationships" xmlns:p="http://schemas.openxmlformats.org/presentationml/2006/main" showMasterSp="0" type="title" preserve="1">
+<p:sldLayout xmlns:a="http://schemas.openxmlformats.org/drawingml/2006/main" xmlns:r="http://schemas.openxmlformats.org/officeDocument/2006/relationships" xmlns:p="http://schemas.openxmlformats.org/presentationml/2006/main" type="title" preserve="1">
   <p:cSld name="Титульный слайд">
-    <p:bg>
-      <p:bgRef idx="1002">
-        <a:schemeClr val="bg2"/>
-      </p:bgRef>
-    </p:bg>
     <p:spTree>
       <p:nvGrpSpPr>
         <p:cNvPr id="1" name=""/>
@@ -1081,13 +1076,8 @@
 </file>
 
 <file path=ppt/slideLayouts/slideLayout3.xml><?xml version="1.0" encoding="utf-8"?>
-<p:sldLayout xmlns:a="http://schemas.openxmlformats.org/drawingml/2006/main" xmlns:r="http://schemas.openxmlformats.org/officeDocument/2006/relationships" xmlns:p="http://schemas.openxmlformats.org/presentationml/2006/main" showMasterSp="0" type="secHead" preserve="1">
+<p:sldLayout xmlns:a="http://schemas.openxmlformats.org/drawingml/2006/main" xmlns:r="http://schemas.openxmlformats.org/officeDocument/2006/relationships" xmlns:p="http://schemas.openxmlformats.org/presentationml/2006/main" type="secHead" preserve="1">
   <p:cSld name="Заголовок раздела">
-    <p:bg>
-      <p:bgRef idx="1002">
-        <a:schemeClr val="bg2"/>
-      </p:bgRef>
-    </p:bg>
     <p:spTree>
       <p:nvGrpSpPr>
         <p:cNvPr id="1" name=""/>
@@ -1804,7 +1794,7 @@
 </file>
 
 <file path=ppt/slideLayouts/slideLayout5.xml><?xml version="1.0" encoding="utf-8"?>
-<p:sldLayout xmlns:a="http://schemas.openxmlformats.org/drawingml/2006/main" xmlns:r="http://schemas.openxmlformats.org/officeDocument/2006/relationships" xmlns:p="http://schemas.openxmlformats.org/presentationml/2006/main" showMasterSp="0" type="twoTxTwoObj" preserve="1">
+<p:sldLayout xmlns:a="http://schemas.openxmlformats.org/drawingml/2006/main" xmlns:r="http://schemas.openxmlformats.org/officeDocument/2006/relationships" xmlns:p="http://schemas.openxmlformats.org/presentationml/2006/main" type="twoTxTwoObj" preserve="1">
   <p:cSld name="Сравнение">
     <p:spTree>
       <p:nvGrpSpPr>
@@ -2652,7 +2642,7 @@
 </file>
 
 <file path=ppt/slideLayouts/slideLayout9.xml><?xml version="1.0" encoding="utf-8"?>
-<p:sldLayout xmlns:a="http://schemas.openxmlformats.org/drawingml/2006/main" xmlns:r="http://schemas.openxmlformats.org/officeDocument/2006/relationships" xmlns:p="http://schemas.openxmlformats.org/presentationml/2006/main" showMasterSp="0" type="picTx" preserve="1">
+<p:sldLayout xmlns:a="http://schemas.openxmlformats.org/drawingml/2006/main" xmlns:r="http://schemas.openxmlformats.org/officeDocument/2006/relationships" xmlns:p="http://schemas.openxmlformats.org/presentationml/2006/main" type="picTx" preserve="1">
   <p:cSld name="Рисунок с подписью">
     <p:spTree>
       <p:nvGrpSpPr>
@@ -2911,9 +2901,18 @@
 <p:sldMaster xmlns:a="http://schemas.openxmlformats.org/drawingml/2006/main" xmlns:r="http://schemas.openxmlformats.org/officeDocument/2006/relationships" xmlns:p="http://schemas.openxmlformats.org/presentationml/2006/main">
   <p:cSld>
     <p:bg>
-      <p:bgRef idx="1001">
-        <a:schemeClr val="bg2"/>
-      </p:bgRef>
+      <p:bgPr>
+        <a:blipFill dpi="0" rotWithShape="1">
+          <a:blip r:embed="rId13" cstate="print">
+            <a:lum/>
+          </a:blip>
+          <a:srcRect/>
+          <a:stretch>
+            <a:fillRect t="-24000" b="-24000"/>
+          </a:stretch>
+        </a:blipFill>
+        <a:effectLst/>
+      </p:bgPr>
     </p:bg>
     <p:spTree>
       <p:nvGrpSpPr>
@@ -3728,18 +3727,7 @@
                 <a:ea typeface="Microsoft JhengHei Light" panose="020B0304030504040204" pitchFamily="34" charset="-120"/>
                 <a:cs typeface="Times New Roman" panose="02020603050405020304" pitchFamily="18" charset="0"/>
               </a:rPr>
-              <a:t>ИБ-11</a:t>
-            </a:r>
-            <a:r>
-              <a:rPr lang="ru-RU" sz="1800" dirty="0" smtClean="0">
-                <a:solidFill>
-                  <a:schemeClr val="tx1"/>
-                </a:solidFill>
-                <a:latin typeface="Microsoft JhengHei Light" panose="020B0304030504040204" pitchFamily="34" charset="-120"/>
-                <a:ea typeface="Microsoft JhengHei Light" panose="020B0304030504040204" pitchFamily="34" charset="-120"/>
-                <a:cs typeface="Times New Roman" panose="02020603050405020304" pitchFamily="18" charset="0"/>
-              </a:rPr>
-              <a:t>6</a:t>
+              <a:t>ИБ-116</a:t>
             </a:r>
             <a:endParaRPr lang="ru-RU" sz="1800" dirty="0">
               <a:solidFill>
@@ -3768,51 +3756,7 @@
                 <a:ea typeface="Microsoft JhengHei Light" panose="020B0304030504040204" pitchFamily="34" charset="-120"/>
                 <a:cs typeface="Times New Roman" panose="02020603050405020304" pitchFamily="18" charset="0"/>
               </a:rPr>
-              <a:t>Куликов</a:t>
-            </a:r>
-            <a:r>
-              <a:rPr lang="ru-RU" sz="1800" dirty="0" smtClean="0">
-                <a:solidFill>
-                  <a:schemeClr val="tx1"/>
-                </a:solidFill>
-                <a:latin typeface="Microsoft JhengHei Light" panose="020B0304030504040204" pitchFamily="34" charset="-120"/>
-                <a:ea typeface="Microsoft JhengHei Light" panose="020B0304030504040204" pitchFamily="34" charset="-120"/>
-                <a:cs typeface="Times New Roman" panose="02020603050405020304" pitchFamily="18" charset="0"/>
-              </a:rPr>
-              <a:t> </a:t>
-            </a:r>
-            <a:r>
-              <a:rPr lang="ru-RU" sz="1800" dirty="0" smtClean="0">
-                <a:solidFill>
-                  <a:schemeClr val="tx1"/>
-                </a:solidFill>
-                <a:latin typeface="Microsoft JhengHei Light" panose="020B0304030504040204" pitchFamily="34" charset="-120"/>
-                <a:ea typeface="Microsoft JhengHei Light" panose="020B0304030504040204" pitchFamily="34" charset="-120"/>
-                <a:cs typeface="Times New Roman" panose="02020603050405020304" pitchFamily="18" charset="0"/>
-              </a:rPr>
-              <a:t>И.</a:t>
-            </a:r>
-            <a:r>
-              <a:rPr lang="ru-RU" sz="1800" dirty="0" smtClean="0">
-                <a:solidFill>
-                  <a:schemeClr val="tx1"/>
-                </a:solidFill>
-                <a:latin typeface="Microsoft JhengHei Light" panose="020B0304030504040204" pitchFamily="34" charset="-120"/>
-                <a:ea typeface="Microsoft JhengHei Light" panose="020B0304030504040204" pitchFamily="34" charset="-120"/>
-                <a:cs typeface="Times New Roman" panose="02020603050405020304" pitchFamily="18" charset="0"/>
-              </a:rPr>
-              <a:t>М</a:t>
-            </a:r>
-            <a:r>
-              <a:rPr lang="ru-RU" sz="1800" dirty="0" smtClean="0">
-                <a:solidFill>
-                  <a:schemeClr val="tx1"/>
-                </a:solidFill>
-                <a:latin typeface="Microsoft JhengHei Light" panose="020B0304030504040204" pitchFamily="34" charset="-120"/>
-                <a:ea typeface="Microsoft JhengHei Light" panose="020B0304030504040204" pitchFamily="34" charset="-120"/>
-                <a:cs typeface="Times New Roman" panose="02020603050405020304" pitchFamily="18" charset="0"/>
-              </a:rPr>
-              <a:t>.</a:t>
+              <a:t>Куликов И.М.</a:t>
             </a:r>
             <a:endParaRPr lang="ru-RU" sz="1800" dirty="0">
               <a:solidFill>
@@ -4276,7 +4220,7 @@
           <a:blip r:embed="rId2" cstate="print">
             <a:extLst>
               <a:ext uri="{BEBA8EAE-BF5A-486C-A8C5-ECC9F3942E4B}">
-                <a14:imgProps xmlns="" xmlns:a14="http://schemas.microsoft.com/office/drawing/2010/main">
+                <a14:imgProps xmlns:a14="http://schemas.microsoft.com/office/drawing/2010/main" xmlns="">
                   <a14:imgLayer r:embed="rId3">
                     <a14:imgEffect>
                       <a14:sharpenSoften amount="100000"/>
@@ -4306,7 +4250,7 @@
     </p:spTree>
     <p:extLst>
       <p:ext uri="{BB962C8B-B14F-4D97-AF65-F5344CB8AC3E}">
-        <p14:creationId xmlns="" xmlns:p14="http://schemas.microsoft.com/office/powerpoint/2010/main" val="1926724595"/>
+        <p14:creationId xmlns:p14="http://schemas.microsoft.com/office/powerpoint/2010/main" xmlns="" val="1926724595"/>
       </p:ext>
     </p:extLst>
   </p:cSld>
@@ -4362,47 +4306,71 @@
           <a:lstStyle/>
           <a:p>
             <a:r>
-              <a:rPr lang="ru-RU" dirty="0" smtClean="0"/>
+              <a:rPr lang="ru-RU" dirty="0" smtClean="0">
+                <a:solidFill>
+                  <a:schemeClr val="bg1"/>
+                </a:solidFill>
+              </a:rPr>
               <a:t>	Так как пароль отправляется на сервер (это очевидно, так как на сервере отображается эта информация), то нужно найти участок кода, где клиент отправляет пароль, а затем принимает что-то взамен, чтобы понять, верный ли пароль. </a:t>
             </a:r>
           </a:p>
           <a:p>
             <a:r>
-              <a:rPr lang="ru-RU" dirty="0" smtClean="0"/>
+              <a:rPr lang="ru-RU" dirty="0" smtClean="0">
+                <a:solidFill>
+                  <a:schemeClr val="bg1"/>
+                </a:solidFill>
+              </a:rPr>
+              <a:t>	Команда </a:t>
+            </a:r>
+            <a:r>
+              <a:rPr lang="en-US" dirty="0" smtClean="0">
+                <a:solidFill>
+                  <a:schemeClr val="bg1"/>
+                </a:solidFill>
+              </a:rPr>
+              <a:t>send </a:t>
+            </a:r>
+            <a:r>
+              <a:rPr lang="ru-RU" dirty="0" smtClean="0">
+                <a:solidFill>
+                  <a:schemeClr val="bg1"/>
+                </a:solidFill>
+              </a:rPr>
+              <a:t>на сервере отправляет два сообщения пользователю, каждое из которых обращается к стеку, который содержит в себе два нуля. Именно из-за этих нулей клиент понимает, что его пароль неверный и завершает свою работу.</a:t>
+            </a:r>
+          </a:p>
+          <a:p>
+            <a:r>
+              <a:rPr lang="ru-RU" dirty="0" smtClean="0">
+                <a:solidFill>
+                  <a:schemeClr val="bg1"/>
+                </a:solidFill>
+              </a:rPr>
+              <a:t>	Что ж, найдем тот момент, когда сервер пишет, что пароль не правильный и посмотрим, по какому переходу это случается.</a:t>
+            </a:r>
+          </a:p>
+          <a:p>
+            <a:endParaRPr lang="ru-RU" dirty="0" smtClean="0">
+              <a:solidFill>
+                <a:schemeClr val="bg1"/>
+              </a:solidFill>
+            </a:endParaRPr>
+          </a:p>
+          <a:p>
+            <a:r>
+              <a:rPr lang="ru-RU" dirty="0" smtClean="0">
+                <a:solidFill>
+                  <a:schemeClr val="bg1"/>
+                </a:solidFill>
+              </a:rPr>
               <a:t>	</a:t>
             </a:r>
-            <a:r>
-              <a:rPr lang="ru-RU" dirty="0" smtClean="0"/>
-              <a:t>Команда </a:t>
-            </a:r>
-            <a:r>
-              <a:rPr lang="en-US" dirty="0" smtClean="0"/>
-              <a:t>send </a:t>
-            </a:r>
-            <a:r>
-              <a:rPr lang="ru-RU" dirty="0" smtClean="0"/>
-              <a:t>на сервере отправляет два сообщения пользователю, каждое из которых обращается к стеку, который содержит в себе два нуля. Именно из-за этих нулей клиент понимает, что его пароль неверный и завершает свою работу.</a:t>
-            </a:r>
-          </a:p>
-          <a:p>
-            <a:r>
-              <a:rPr lang="ru-RU" dirty="0" smtClean="0"/>
-              <a:t>	</a:t>
-            </a:r>
-            <a:r>
-              <a:rPr lang="ru-RU" dirty="0" smtClean="0"/>
-              <a:t>Что ж, найдем тот момент, когда сервер пишет, что пароль не правильный и посмотрим, по какому переходу это случается.</a:t>
-            </a:r>
-          </a:p>
-          <a:p>
-            <a:endParaRPr lang="ru-RU" dirty="0" smtClean="0"/>
-          </a:p>
-          <a:p>
-            <a:r>
-              <a:rPr lang="ru-RU" dirty="0" smtClean="0"/>
-              <a:t>	</a:t>
-            </a:r>
-            <a:endParaRPr lang="ru-RU" dirty="0"/>
+            <a:endParaRPr lang="ru-RU" dirty="0">
+              <a:solidFill>
+                <a:schemeClr val="bg1"/>
+              </a:solidFill>
+            </a:endParaRPr>
           </a:p>
         </p:txBody>
       </p:sp>
@@ -4430,7 +4398,7 @@
           <a:noFill/>
           <a:ln w="28575">
             <a:solidFill>
-              <a:schemeClr val="tx1"/>
+              <a:schemeClr val="bg1"/>
             </a:solidFill>
             <a:miter lim="800000"/>
             <a:headEnd/>
@@ -4462,7 +4430,7 @@
           <a:noFill/>
           <a:ln w="28575">
             <a:solidFill>
-              <a:schemeClr val="tx1"/>
+              <a:schemeClr val="bg1"/>
             </a:solidFill>
             <a:miter lim="800000"/>
             <a:headEnd/>
@@ -4494,7 +4462,7 @@
           <a:noFill/>
           <a:ln w="28575">
             <a:solidFill>
-              <a:schemeClr val="tx1"/>
+              <a:schemeClr val="bg1"/>
             </a:solidFill>
             <a:miter lim="800000"/>
             <a:headEnd/>
@@ -4526,7 +4494,7 @@
           <a:noFill/>
           <a:ln w="28575">
             <a:solidFill>
-              <a:schemeClr val="tx1"/>
+              <a:schemeClr val="bg1"/>
             </a:solidFill>
             <a:miter lim="800000"/>
             <a:headEnd/>
@@ -4556,17 +4524,25 @@
           <a:lstStyle/>
           <a:p>
             <a:r>
-              <a:rPr lang="ru-RU" dirty="0" smtClean="0"/>
+              <a:rPr lang="ru-RU" dirty="0" smtClean="0">
+                <a:solidFill>
+                  <a:schemeClr val="bg1"/>
+                </a:solidFill>
+              </a:rPr>
               <a:t>После этого прыжка есть ещё один, который не выполняется, скорее всего эта ветка ведет к тому, чтобы разрешить доступ пользователю на сервер.</a:t>
             </a:r>
-            <a:endParaRPr lang="ru-RU" dirty="0"/>
+            <a:endParaRPr lang="ru-RU" dirty="0">
+              <a:solidFill>
+                <a:schemeClr val="bg1"/>
+              </a:solidFill>
+            </a:endParaRPr>
           </a:p>
         </p:txBody>
       </p:sp>
     </p:spTree>
     <p:extLst>
       <p:ext uri="{BB962C8B-B14F-4D97-AF65-F5344CB8AC3E}">
-        <p14:creationId xmlns="" xmlns:p14="http://schemas.microsoft.com/office/powerpoint/2010/main" val="1531337978"/>
+        <p14:creationId xmlns:p14="http://schemas.microsoft.com/office/powerpoint/2010/main" xmlns="" val="1531337978"/>
       </p:ext>
     </p:extLst>
   </p:cSld>
@@ -4616,18 +4592,18 @@
           <a:lstStyle/>
           <a:p>
             <a:r>
-              <a:rPr lang="ru-RU" dirty="0" smtClean="0"/>
-              <a:t>Попробуем отправить клиенту не 0, как в стеке, а </a:t>
-            </a:r>
-            <a:r>
-              <a:rPr lang="ru-RU" dirty="0" smtClean="0"/>
-              <a:t>что-то другое, например единицу.</a:t>
-            </a:r>
-            <a:r>
-              <a:rPr lang="ru-RU" dirty="0" smtClean="0"/>
-              <a:t> </a:t>
-            </a:r>
-            <a:endParaRPr lang="ru-RU" dirty="0"/>
+              <a:rPr lang="ru-RU" dirty="0" smtClean="0">
+                <a:solidFill>
+                  <a:schemeClr val="bg1"/>
+                </a:solidFill>
+              </a:rPr>
+              <a:t>Попробуем отправить клиенту не 0, как в стеке, а что-то другое, например единицу. </a:t>
+            </a:r>
+            <a:endParaRPr lang="ru-RU" dirty="0">
+              <a:solidFill>
+                <a:schemeClr val="bg1"/>
+              </a:solidFill>
+            </a:endParaRPr>
           </a:p>
         </p:txBody>
       </p:sp>
@@ -4655,7 +4631,7 @@
           <a:noFill/>
           <a:ln w="28575">
             <a:solidFill>
-              <a:schemeClr val="tx1"/>
+              <a:schemeClr val="bg1"/>
             </a:solidFill>
             <a:miter lim="800000"/>
             <a:headEnd/>
@@ -4685,38 +4661,66 @@
           <a:lstStyle/>
           <a:p>
             <a:r>
-              <a:rPr lang="ru-RU" dirty="0" smtClean="0"/>
+              <a:rPr lang="ru-RU" dirty="0" smtClean="0">
+                <a:solidFill>
+                  <a:schemeClr val="bg1"/>
+                </a:solidFill>
+              </a:rPr>
               <a:t>Как оговаривалось ранее ещё нужно убрать прыжок на </a:t>
             </a:r>
             <a:r>
-              <a:rPr lang="en-US" dirty="0" smtClean="0"/>
+              <a:rPr lang="en-US" dirty="0" smtClean="0">
+                <a:solidFill>
+                  <a:schemeClr val="bg1"/>
+                </a:solidFill>
+              </a:rPr>
               <a:t>Error Password</a:t>
             </a:r>
             <a:r>
-              <a:rPr lang="ru-RU" dirty="0" smtClean="0"/>
-              <a:t> </a:t>
-            </a:r>
-            <a:r>
-              <a:rPr lang="ru-RU" dirty="0" smtClean="0"/>
-              <a:t>и заменить следующий </a:t>
-            </a:r>
-            <a:r>
-              <a:rPr lang="en-US" dirty="0" smtClean="0"/>
+              <a:rPr lang="ru-RU" dirty="0" smtClean="0">
+                <a:solidFill>
+                  <a:schemeClr val="bg1"/>
+                </a:solidFill>
+              </a:rPr>
+              <a:t> и заменить следующий </a:t>
+            </a:r>
+            <a:r>
+              <a:rPr lang="en-US" dirty="0" smtClean="0">
+                <a:solidFill>
+                  <a:schemeClr val="bg1"/>
+                </a:solidFill>
+              </a:rPr>
               <a:t>JNZ</a:t>
             </a:r>
             <a:r>
-              <a:rPr lang="ru-RU" dirty="0" smtClean="0"/>
+              <a:rPr lang="ru-RU" dirty="0" smtClean="0">
+                <a:solidFill>
+                  <a:schemeClr val="bg1"/>
+                </a:solidFill>
+              </a:rPr>
               <a:t> на </a:t>
             </a:r>
             <a:r>
-              <a:rPr lang="en-US" dirty="0" smtClean="0"/>
+              <a:rPr lang="en-US" dirty="0" smtClean="0">
+                <a:solidFill>
+                  <a:schemeClr val="bg1"/>
+                </a:solidFill>
+              </a:rPr>
               <a:t>JE, </a:t>
             </a:r>
             <a:r>
-              <a:rPr lang="ru-RU" dirty="0" smtClean="0"/>
+              <a:rPr lang="ru-RU" dirty="0" smtClean="0">
+                <a:solidFill>
+                  <a:schemeClr val="bg1"/>
+                </a:solidFill>
+              </a:rPr>
               <a:t>чтобы прыжок точно произошел.</a:t>
             </a:r>
-            <a:endParaRPr lang="ru-RU" dirty="0"/>
+            <a:endParaRPr lang="ru-RU" dirty="0">
+              <a:solidFill>
+                <a:schemeClr val="bg1"/>
+              </a:solidFill>
+            </a:endParaRPr>
           </a:p>
         </p:txBody>
       </p:sp>
@@ -4744,7 +4748,7 @@
           <a:noFill/>
           <a:ln w="28575">
             <a:solidFill>
-              <a:schemeClr val="tx1"/>
+              <a:schemeClr val="bg1"/>
             </a:solidFill>
             <a:miter lim="800000"/>
             <a:headEnd/>
@@ -4774,18 +4778,18 @@
           <a:lstStyle/>
           <a:p>
             <a:r>
-              <a:rPr lang="ru-RU" dirty="0" smtClean="0"/>
-              <a:t>При попытке подключиться к серверу, пользователь, вводя любой пароль, уже не</a:t>
-            </a:r>
-            <a:r>
-              <a:rPr lang="ru-RU" dirty="0" smtClean="0"/>
-              <a:t> отключается, а уходит </a:t>
-            </a:r>
-            <a:r>
-              <a:rPr lang="ru-RU" dirty="0" smtClean="0"/>
-              <a:t>в</a:t>
-            </a:r>
-            <a:endParaRPr lang="ru-RU" dirty="0"/>
+              <a:rPr lang="ru-RU" dirty="0" smtClean="0">
+                <a:solidFill>
+                  <a:schemeClr val="bg1"/>
+                </a:solidFill>
+              </a:rPr>
+              <a:t>При попытке подключиться к серверу, пользователь, вводя любой пароль, уже не отключается, а уходит в</a:t>
+            </a:r>
+            <a:endParaRPr lang="ru-RU" dirty="0">
+              <a:solidFill>
+                <a:schemeClr val="bg1"/>
+              </a:solidFill>
+            </a:endParaRPr>
           </a:p>
         </p:txBody>
       </p:sp>
@@ -4811,22 +4815,34 @@
           <a:lstStyle/>
           <a:p>
             <a:r>
-              <a:rPr lang="ru-RU" dirty="0" smtClean="0"/>
-              <a:t>ожидание получения сообщения. А затем закрывается по истечению таймера</a:t>
-            </a:r>
-            <a:r>
-              <a:rPr lang="ru-RU" dirty="0" smtClean="0"/>
-              <a:t>. Всё дело в том, что сервер не отправляет нашу измененную единицу, тогда заменим её на другой стек, например на </a:t>
-            </a:r>
-            <a:r>
-              <a:rPr lang="en-US" dirty="0" smtClean="0"/>
+              <a:rPr lang="ru-RU" dirty="0" smtClean="0">
+                <a:solidFill>
+                  <a:schemeClr val="bg1"/>
+                </a:solidFill>
+              </a:rPr>
+              <a:t>ожидание получения сообщения. А затем закрывается по истечению таймера. Всё дело в том, что сервер не отправляет нашу измененную единицу, тогда заменим её на другой стек, например на </a:t>
+            </a:r>
+            <a:r>
+              <a:rPr lang="en-US" dirty="0" smtClean="0">
+                <a:solidFill>
+                  <a:schemeClr val="bg1"/>
+                </a:solidFill>
+              </a:rPr>
               <a:t>EBX</a:t>
             </a:r>
             <a:r>
-              <a:rPr lang="ru-RU" dirty="0" smtClean="0"/>
+              <a:rPr lang="ru-RU" dirty="0" smtClean="0">
+                <a:solidFill>
+                  <a:schemeClr val="bg1"/>
+                </a:solidFill>
+              </a:rPr>
               <a:t>, в котором бы не было нулей.</a:t>
             </a:r>
-            <a:endParaRPr lang="ru-RU" dirty="0"/>
+            <a:endParaRPr lang="ru-RU" dirty="0">
+              <a:solidFill>
+                <a:schemeClr val="bg1"/>
+              </a:solidFill>
+            </a:endParaRPr>
           </a:p>
         </p:txBody>
       </p:sp>
@@ -4854,7 +4870,7 @@
           <a:noFill/>
           <a:ln w="28575">
             <a:solidFill>
-              <a:schemeClr val="tx1"/>
+              <a:schemeClr val="bg1"/>
             </a:solidFill>
             <a:miter lim="800000"/>
             <a:headEnd/>
@@ -4865,7 +4881,7 @@
     </p:spTree>
     <p:extLst>
       <p:ext uri="{BB962C8B-B14F-4D97-AF65-F5344CB8AC3E}">
-        <p14:creationId xmlns="" xmlns:p14="http://schemas.microsoft.com/office/powerpoint/2010/main" val="4040578483"/>
+        <p14:creationId xmlns:p14="http://schemas.microsoft.com/office/powerpoint/2010/main" xmlns="" val="4040578483"/>
       </p:ext>
     </p:extLst>
   </p:cSld>
@@ -4914,68 +4930,112 @@
           <a:lstStyle/>
           <a:p>
             <a:r>
-              <a:rPr lang="ru-RU" dirty="0" smtClean="0"/>
+              <a:rPr lang="ru-RU" dirty="0" smtClean="0">
+                <a:solidFill>
+                  <a:schemeClr val="bg1"/>
+                </a:solidFill>
+              </a:rPr>
               <a:t>Если попробовать подключиться к такому серверу, то клиент сможет это сделать. И вот вроде бы всё, всё работает, но нет.</a:t>
             </a:r>
           </a:p>
           <a:p>
             <a:r>
-              <a:rPr lang="ru-RU" dirty="0" smtClean="0"/>
-              <a:t>	</a:t>
-            </a:r>
-            <a:r>
-              <a:rPr lang="ru-RU" dirty="0" smtClean="0"/>
-              <a:t>При сохранении такого сервера и повторном его запуске, он </a:t>
-            </a:r>
-            <a:r>
-              <a:rPr lang="ru-RU" dirty="0" err="1" smtClean="0"/>
+              <a:rPr lang="ru-RU" dirty="0" smtClean="0">
+                <a:solidFill>
+                  <a:schemeClr val="bg1"/>
+                </a:solidFill>
+              </a:rPr>
+              <a:t>	При сохранении такого сервера и повторном его запуске, он </a:t>
+            </a:r>
+            <a:r>
+              <a:rPr lang="ru-RU" dirty="0" err="1" smtClean="0">
+                <a:solidFill>
+                  <a:schemeClr val="bg1"/>
+                </a:solidFill>
+              </a:rPr>
               <a:t>крашится</a:t>
             </a:r>
             <a:r>
-              <a:rPr lang="ru-RU" dirty="0" smtClean="0"/>
+              <a:rPr lang="ru-RU" dirty="0" smtClean="0">
+                <a:solidFill>
+                  <a:schemeClr val="bg1"/>
+                </a:solidFill>
+              </a:rPr>
               <a:t>, не давая пользователю подключиться. </a:t>
             </a:r>
           </a:p>
           <a:p>
             <a:r>
-              <a:rPr lang="ru-RU" dirty="0" smtClean="0"/>
+              <a:rPr lang="ru-RU" dirty="0" smtClean="0">
+                <a:solidFill>
+                  <a:schemeClr val="bg1"/>
+                </a:solidFill>
+              </a:rPr>
               <a:t>Всё дело в том стеке, который скорее всего работает не так, как хотелось бы.</a:t>
             </a:r>
           </a:p>
           <a:p>
             <a:r>
-              <a:rPr lang="ru-RU" dirty="0" smtClean="0"/>
-              <a:t>	З</a:t>
-            </a:r>
-            <a:r>
-              <a:rPr lang="ru-RU" dirty="0" smtClean="0"/>
-              <a:t>аменим стек</a:t>
-            </a:r>
-            <a:r>
-              <a:rPr lang="en-US" dirty="0" smtClean="0"/>
+              <a:rPr lang="ru-RU" dirty="0" smtClean="0">
+                <a:solidFill>
+                  <a:schemeClr val="bg1"/>
+                </a:solidFill>
+              </a:rPr>
+              <a:t>	Заменим стек</a:t>
+            </a:r>
+            <a:r>
+              <a:rPr lang="en-US" dirty="0" smtClean="0">
+                <a:solidFill>
+                  <a:schemeClr val="bg1"/>
+                </a:solidFill>
+              </a:rPr>
               <a:t> EBX</a:t>
             </a:r>
             <a:r>
-              <a:rPr lang="ru-RU" dirty="0" smtClean="0"/>
+              <a:rPr lang="ru-RU" dirty="0" smtClean="0">
+                <a:solidFill>
+                  <a:schemeClr val="bg1"/>
+                </a:solidFill>
+              </a:rPr>
               <a:t> снова на </a:t>
             </a:r>
             <a:r>
-              <a:rPr lang="en-US" dirty="0" smtClean="0"/>
+              <a:rPr lang="en-US" dirty="0" smtClean="0">
+                <a:solidFill>
+                  <a:schemeClr val="bg1"/>
+                </a:solidFill>
+              </a:rPr>
               <a:t>EAX, </a:t>
             </a:r>
             <a:r>
-              <a:rPr lang="ru-RU" dirty="0" smtClean="0"/>
+              <a:rPr lang="ru-RU" dirty="0" smtClean="0">
+                <a:solidFill>
+                  <a:schemeClr val="bg1"/>
+                </a:solidFill>
+              </a:rPr>
               <a:t>но изменим строчку, где идет функция </a:t>
             </a:r>
             <a:r>
-              <a:rPr lang="en-US" dirty="0" smtClean="0"/>
+              <a:rPr lang="en-US" dirty="0" smtClean="0">
+                <a:solidFill>
+                  <a:schemeClr val="bg1"/>
+                </a:solidFill>
+              </a:rPr>
               <a:t>LEA, </a:t>
             </a:r>
             <a:r>
-              <a:rPr lang="ru-RU" dirty="0" smtClean="0"/>
+              <a:rPr lang="ru-RU" dirty="0" smtClean="0">
+                <a:solidFill>
+                  <a:schemeClr val="bg1"/>
+                </a:solidFill>
+              </a:rPr>
               <a:t>просто уберем вычитание, итоговый результат должен поменяться.</a:t>
             </a:r>
-            <a:endParaRPr lang="ru-RU" dirty="0"/>
+            <a:endParaRPr lang="ru-RU" dirty="0">
+              <a:solidFill>
+                <a:schemeClr val="bg1"/>
+              </a:solidFill>
+            </a:endParaRPr>
           </a:p>
         </p:txBody>
       </p:sp>
@@ -5003,7 +5063,7 @@
           <a:noFill/>
           <a:ln w="28575">
             <a:solidFill>
-              <a:schemeClr val="tx1"/>
+              <a:schemeClr val="bg1"/>
             </a:solidFill>
             <a:miter lim="800000"/>
             <a:headEnd/>
@@ -5035,7 +5095,7 @@
           <a:noFill/>
           <a:ln w="28575">
             <a:solidFill>
-              <a:schemeClr val="tx1"/>
+              <a:schemeClr val="bg1"/>
             </a:solidFill>
             <a:miter lim="800000"/>
             <a:headEnd/>
@@ -5065,10 +5125,18 @@
           <a:lstStyle/>
           <a:p>
             <a:r>
-              <a:rPr lang="ru-RU" dirty="0" smtClean="0"/>
+              <a:rPr lang="ru-RU" dirty="0" smtClean="0">
+                <a:solidFill>
+                  <a:schemeClr val="bg1"/>
+                </a:solidFill>
+              </a:rPr>
               <a:t>Сохранив сервер и запустив его ошибка, случившаяся в тот раз исчезла. Подключение к серверу возможно при вводе любого пароля.</a:t>
             </a:r>
-            <a:endParaRPr lang="ru-RU" dirty="0"/>
+            <a:endParaRPr lang="ru-RU" dirty="0">
+              <a:solidFill>
+                <a:schemeClr val="bg1"/>
+              </a:solidFill>
+            </a:endParaRPr>
           </a:p>
         </p:txBody>
       </p:sp>
@@ -5094,14 +5162,49 @@
             <a:avLst/>
           </a:prstGeom>
           <a:noFill/>
-          <a:ln w="9525">
-            <a:noFill/>
+          <a:ln w="28575">
+            <a:solidFill>
+              <a:schemeClr val="bg1"/>
+            </a:solidFill>
             <a:miter lim="800000"/>
             <a:headEnd/>
             <a:tailEnd/>
           </a:ln>
         </p:spPr>
       </p:pic>
+      <p:sp>
+        <p:nvSpPr>
+          <p:cNvPr id="11" name="Прямоугольник 10"/>
+          <p:cNvSpPr/>
+          <p:nvPr/>
+        </p:nvSpPr>
+        <p:spPr>
+          <a:xfrm>
+            <a:off x="1371600" y="5720081"/>
+            <a:ext cx="6096000" cy="461665"/>
+          </a:xfrm>
+          <a:prstGeom prst="rect">
+            <a:avLst/>
+          </a:prstGeom>
+        </p:spPr>
+        <p:txBody>
+          <a:bodyPr>
+            <a:spAutoFit/>
+          </a:bodyPr>
+          <a:lstStyle/>
+          <a:p>
+            <a:r>
+              <a:rPr lang="ru-RU" sz="2400" dirty="0" smtClean="0">
+                <a:solidFill>
+                  <a:schemeClr val="bg1"/>
+                </a:solidFill>
+              </a:rPr>
+              <a:t>Спасибо за внимание!</a:t>
+            </a:r>
+            <a:endParaRPr lang="ru-RU" sz="2400" dirty="0"/>
+          </a:p>
+        </p:txBody>
+      </p:sp>
     </p:spTree>
   </p:cSld>
   <p:clrMapOvr>
@@ -5150,10 +5253,18 @@
           <a:lstStyle/>
           <a:p>
             <a:r>
-              <a:rPr lang="ru-RU" sz="4800" dirty="0" smtClean="0"/>
+              <a:rPr lang="ru-RU" sz="4800" dirty="0" smtClean="0">
+                <a:solidFill>
+                  <a:schemeClr val="bg1"/>
+                </a:solidFill>
+              </a:rPr>
               <a:t>Общие сведения</a:t>
             </a:r>
-            <a:endParaRPr lang="ru-RU" sz="4800" dirty="0"/>
+            <a:endParaRPr lang="ru-RU" sz="4800" dirty="0">
+              <a:solidFill>
+                <a:schemeClr val="bg1"/>
+              </a:solidFill>
+            </a:endParaRPr>
           </a:p>
         </p:txBody>
       </p:sp>
@@ -5187,90 +5298,161 @@
               <a:t>-</a:t>
             </a:r>
             <a:r>
-              <a:rPr lang="ru-RU" sz="1800" dirty="0" smtClean="0"/>
+              <a:rPr lang="ru-RU" sz="1800" dirty="0" smtClean="0">
+                <a:solidFill>
+                  <a:schemeClr val="bg1"/>
+                </a:solidFill>
+              </a:rPr>
               <a:t>Программа</a:t>
             </a:r>
             <a:r>
-              <a:rPr lang="en-US" sz="1800" dirty="0" smtClean="0"/>
+              <a:rPr lang="en-US" sz="1800" dirty="0" smtClean="0">
+                <a:solidFill>
+                  <a:schemeClr val="bg1"/>
+                </a:solidFill>
+              </a:rPr>
               <a:t> </a:t>
             </a:r>
             <a:r>
               <a:rPr lang="en-US" sz="1800" dirty="0" smtClean="0">
+                <a:solidFill>
+                  <a:schemeClr val="bg1"/>
+                </a:solidFill>
                 <a:latin typeface="Times New Roman" pitchFamily="18" charset="0"/>
                 <a:cs typeface="Times New Roman" pitchFamily="18" charset="0"/>
               </a:rPr>
               <a:t>TAHC-CHAT</a:t>
             </a:r>
             <a:r>
-              <a:rPr lang="en-US" sz="1800" dirty="0" smtClean="0"/>
+              <a:rPr lang="en-US" sz="1800" dirty="0" smtClean="0">
+                <a:solidFill>
+                  <a:schemeClr val="bg1"/>
+                </a:solidFill>
+              </a:rPr>
               <a:t> </a:t>
             </a:r>
             <a:r>
-              <a:rPr lang="ru-RU" sz="1800" dirty="0" smtClean="0"/>
+              <a:rPr lang="ru-RU" sz="1800" dirty="0" smtClean="0">
+                <a:solidFill>
+                  <a:schemeClr val="bg1"/>
+                </a:solidFill>
+              </a:rPr>
               <a:t>предназначена для</a:t>
             </a:r>
-            <a:endParaRPr lang="en-US" sz="1800" dirty="0" smtClean="0"/>
+            <a:endParaRPr lang="en-US" sz="1800" dirty="0" smtClean="0">
+              <a:solidFill>
+                <a:schemeClr val="bg1"/>
+              </a:solidFill>
+            </a:endParaRPr>
           </a:p>
           <a:p>
             <a:pPr>
               <a:buNone/>
             </a:pPr>
             <a:r>
-              <a:rPr lang="ru-RU" sz="1800" dirty="0" smtClean="0"/>
+              <a:rPr lang="ru-RU" sz="1800" dirty="0" smtClean="0">
+                <a:solidFill>
+                  <a:schemeClr val="bg1"/>
+                </a:solidFill>
+              </a:rPr>
               <a:t>обмена сообщениями между пользователями.</a:t>
             </a:r>
-            <a:endParaRPr lang="en-US" sz="1800" dirty="0" smtClean="0"/>
+            <a:endParaRPr lang="en-US" sz="1800" dirty="0" smtClean="0">
+              <a:solidFill>
+                <a:schemeClr val="bg1"/>
+              </a:solidFill>
+            </a:endParaRPr>
           </a:p>
           <a:p>
             <a:pPr>
               <a:buNone/>
             </a:pPr>
-            <a:endParaRPr lang="ru-RU" sz="1800" dirty="0" smtClean="0"/>
+            <a:endParaRPr lang="ru-RU" sz="1800" dirty="0" smtClean="0">
+              <a:solidFill>
+                <a:schemeClr val="bg1"/>
+              </a:solidFill>
+            </a:endParaRPr>
           </a:p>
           <a:p>
             <a:pPr>
               <a:buNone/>
             </a:pPr>
             <a:r>
-              <a:rPr lang="en-US" sz="1800" dirty="0" smtClean="0"/>
+              <a:rPr lang="en-US" sz="1800" dirty="0" smtClean="0">
+                <a:solidFill>
+                  <a:schemeClr val="bg1"/>
+                </a:solidFill>
+              </a:rPr>
               <a:t>-</a:t>
             </a:r>
             <a:r>
-              <a:rPr lang="ru-RU" sz="1800" dirty="0" smtClean="0"/>
+              <a:rPr lang="ru-RU" sz="1800" dirty="0" smtClean="0">
+                <a:solidFill>
+                  <a:schemeClr val="bg1"/>
+                </a:solidFill>
+              </a:rPr>
               <a:t>Исходный код программы написан на языке</a:t>
             </a:r>
-            <a:endParaRPr lang="en-US" sz="1800" dirty="0" smtClean="0"/>
+            <a:endParaRPr lang="en-US" sz="1800" dirty="0" smtClean="0">
+              <a:solidFill>
+                <a:schemeClr val="bg1"/>
+              </a:solidFill>
+            </a:endParaRPr>
           </a:p>
           <a:p>
             <a:pPr>
               <a:buNone/>
             </a:pPr>
             <a:r>
-              <a:rPr lang="ru-RU" sz="1800" dirty="0" smtClean="0"/>
+              <a:rPr lang="ru-RU" sz="1800" dirty="0" smtClean="0">
+                <a:solidFill>
+                  <a:schemeClr val="bg1"/>
+                </a:solidFill>
+              </a:rPr>
               <a:t>С++</a:t>
             </a:r>
-            <a:endParaRPr lang="en-US" sz="1800" dirty="0" smtClean="0"/>
+            <a:endParaRPr lang="en-US" sz="1800" dirty="0" smtClean="0">
+              <a:solidFill>
+                <a:schemeClr val="bg1"/>
+              </a:solidFill>
+            </a:endParaRPr>
           </a:p>
           <a:p>
             <a:pPr>
               <a:buNone/>
             </a:pPr>
-            <a:endParaRPr lang="ru-RU" sz="1800" dirty="0" smtClean="0"/>
+            <a:endParaRPr lang="ru-RU" sz="1800" dirty="0" smtClean="0">
+              <a:solidFill>
+                <a:schemeClr val="bg1"/>
+              </a:solidFill>
+            </a:endParaRPr>
           </a:p>
           <a:p>
             <a:pPr lvl="0">
               <a:buNone/>
             </a:pPr>
             <a:r>
-              <a:rPr lang="en-US" sz="1800" dirty="0" smtClean="0"/>
+              <a:rPr lang="en-US" sz="1800" dirty="0" smtClean="0">
+                <a:solidFill>
+                  <a:schemeClr val="bg1"/>
+                </a:solidFill>
+              </a:rPr>
               <a:t>-</a:t>
             </a:r>
             <a:r>
-              <a:rPr lang="ru-RU" sz="1800" dirty="0" smtClean="0"/>
+              <a:rPr lang="ru-RU" sz="1800" dirty="0" smtClean="0">
+                <a:solidFill>
+                  <a:schemeClr val="bg1"/>
+                </a:solidFill>
+              </a:rPr>
               <a:t>Подключение происходит по каналу </a:t>
             </a:r>
             <a:r>
-              <a:rPr lang="en-US" sz="1800" dirty="0" smtClean="0"/>
+              <a:rPr lang="en-US" sz="1800" dirty="0" smtClean="0">
+                <a:solidFill>
+                  <a:schemeClr val="bg1"/>
+                </a:solidFill>
+              </a:rPr>
               <a:t>TCP</a:t>
             </a:r>
           </a:p>
@@ -5278,23 +5460,31 @@
             <a:pPr lvl="0">
               <a:buNone/>
             </a:pPr>
-            <a:endParaRPr lang="en-US" sz="1800" dirty="0" smtClean="0"/>
+            <a:endParaRPr lang="en-US" sz="1800" dirty="0" smtClean="0">
+              <a:solidFill>
+                <a:schemeClr val="bg1"/>
+              </a:solidFill>
+            </a:endParaRPr>
           </a:p>
           <a:p>
             <a:pPr lvl="0">
               <a:buNone/>
             </a:pPr>
             <a:r>
-              <a:rPr lang="en-US" sz="1800" dirty="0" smtClean="0"/>
+              <a:rPr lang="en-US" sz="1800" dirty="0" smtClean="0">
+                <a:solidFill>
+                  <a:schemeClr val="bg1"/>
+                </a:solidFill>
+              </a:rPr>
               <a:t>-</a:t>
             </a:r>
             <a:r>
-              <a:rPr lang="ru-RU" sz="1800" dirty="0" smtClean="0"/>
-              <a:t>Исполняемые </a:t>
-            </a:r>
-            <a:r>
-              <a:rPr lang="ru-RU" sz="1800" dirty="0" smtClean="0"/>
-              <a:t>файлы:</a:t>
+              <a:rPr lang="ru-RU" sz="1800" dirty="0" smtClean="0">
+                <a:solidFill>
+                  <a:schemeClr val="bg1"/>
+                </a:solidFill>
+              </a:rPr>
+              <a:t>Исполняемые файлы:</a:t>
             </a:r>
           </a:p>
           <a:p>
@@ -5303,12 +5493,18 @@
             </a:pPr>
             <a:r>
               <a:rPr lang="en-US" sz="1800" dirty="0" smtClean="0">
+                <a:solidFill>
+                  <a:schemeClr val="bg1"/>
+                </a:solidFill>
                 <a:latin typeface="Times New Roman" pitchFamily="18" charset="0"/>
                 <a:cs typeface="Times New Roman" pitchFamily="18" charset="0"/>
               </a:rPr>
               <a:t>Server.exe</a:t>
             </a:r>
             <a:endParaRPr lang="ru-RU" sz="1800" dirty="0" smtClean="0">
+              <a:solidFill>
+                <a:schemeClr val="bg1"/>
+              </a:solidFill>
               <a:latin typeface="Times New Roman" pitchFamily="18" charset="0"/>
               <a:cs typeface="Times New Roman" pitchFamily="18" charset="0"/>
             </a:endParaRPr>
@@ -5319,6 +5515,9 @@
             </a:pPr>
             <a:r>
               <a:rPr lang="en-US" sz="1800" dirty="0" smtClean="0">
+                <a:solidFill>
+                  <a:schemeClr val="bg1"/>
+                </a:solidFill>
                 <a:latin typeface="Times New Roman" pitchFamily="18" charset="0"/>
                 <a:cs typeface="Times New Roman" pitchFamily="18" charset="0"/>
               </a:rPr>
@@ -5326,18 +5525,28 @@
             </a:r>
             <a:r>
               <a:rPr lang="ru-RU" sz="1800" dirty="0" smtClean="0">
+                <a:solidFill>
+                  <a:schemeClr val="bg1"/>
+                </a:solidFill>
                 <a:latin typeface="Times New Roman" pitchFamily="18" charset="0"/>
                 <a:cs typeface="Times New Roman" pitchFamily="18" charset="0"/>
               </a:rPr>
               <a:t>.</a:t>
             </a:r>
-            <a:endParaRPr lang="ru-RU" dirty="0" smtClean="0"/>
+            <a:endParaRPr lang="ru-RU" dirty="0" smtClean="0">
+              <a:solidFill>
+                <a:schemeClr val="bg1"/>
+              </a:solidFill>
+            </a:endParaRPr>
           </a:p>
           <a:p>
             <a:pPr lvl="0">
               <a:buNone/>
             </a:pPr>
             <a:endParaRPr lang="ru-RU" sz="1800" dirty="0" smtClean="0">
+              <a:solidFill>
+                <a:schemeClr val="bg1"/>
+              </a:solidFill>
               <a:latin typeface="Times New Roman" pitchFamily="18" charset="0"/>
               <a:cs typeface="Times New Roman" pitchFamily="18" charset="0"/>
             </a:endParaRPr>
@@ -5347,34 +5556,48 @@
               <a:buNone/>
             </a:pPr>
             <a:r>
-              <a:rPr lang="en-US" sz="1800" dirty="0" smtClean="0"/>
+              <a:rPr lang="en-US" sz="1800" dirty="0" smtClean="0">
+                <a:solidFill>
+                  <a:schemeClr val="bg1"/>
+                </a:solidFill>
+              </a:rPr>
               <a:t>-</a:t>
             </a:r>
             <a:r>
-              <a:rPr lang="ru-RU" sz="1800" dirty="0" smtClean="0"/>
+              <a:rPr lang="ru-RU" sz="1800" dirty="0" smtClean="0">
+                <a:solidFill>
+                  <a:schemeClr val="bg1"/>
+                </a:solidFill>
+              </a:rPr>
               <a:t>Для включения сервера или клиента необходимо</a:t>
             </a:r>
-            <a:endParaRPr lang="ru-RU" sz="1800" dirty="0" smtClean="0"/>
           </a:p>
           <a:p>
             <a:pPr>
               <a:buNone/>
             </a:pPr>
             <a:r>
-              <a:rPr lang="ru-RU" sz="1800" dirty="0" smtClean="0"/>
-              <a:t>з</a:t>
-            </a:r>
-            <a:r>
-              <a:rPr lang="ru-RU" sz="1800" dirty="0" smtClean="0"/>
-              <a:t>нать пароль.</a:t>
-            </a:r>
-            <a:endParaRPr lang="en-US" sz="1800" dirty="0" smtClean="0"/>
+              <a:rPr lang="ru-RU" sz="1800" dirty="0" smtClean="0">
+                <a:solidFill>
+                  <a:schemeClr val="bg1"/>
+                </a:solidFill>
+              </a:rPr>
+              <a:t>знать пароль.</a:t>
+            </a:r>
+            <a:endParaRPr lang="en-US" sz="1800" dirty="0" smtClean="0">
+              <a:solidFill>
+                <a:schemeClr val="bg1"/>
+              </a:solidFill>
+            </a:endParaRPr>
           </a:p>
           <a:p>
             <a:pPr lvl="0">
               <a:buNone/>
             </a:pPr>
             <a:endParaRPr lang="ru-RU" sz="1800" dirty="0">
+              <a:solidFill>
+                <a:schemeClr val="bg1"/>
+              </a:solidFill>
               <a:latin typeface="Times New Roman" pitchFamily="18" charset="0"/>
               <a:cs typeface="Times New Roman" pitchFamily="18" charset="0"/>
             </a:endParaRPr>
@@ -5448,7 +5671,7 @@
     </p:spTree>
     <p:extLst>
       <p:ext uri="{BB962C8B-B14F-4D97-AF65-F5344CB8AC3E}">
-        <p14:creationId xmlns="" xmlns:p14="http://schemas.microsoft.com/office/powerpoint/2010/main" val="2536059836"/>
+        <p14:creationId xmlns:p14="http://schemas.microsoft.com/office/powerpoint/2010/main" xmlns="" val="2536059836"/>
       </p:ext>
     </p:extLst>
   </p:cSld>
@@ -5505,14 +5728,18 @@
           <a:lstStyle/>
           <a:p>
             <a:r>
-              <a:rPr lang="ru-RU" sz="4800" dirty="0" smtClean="0"/>
-              <a:t>Защита </a:t>
-            </a:r>
-            <a:r>
-              <a:rPr lang="ru-RU" sz="4800" dirty="0" smtClean="0"/>
-              <a:t>приложения</a:t>
-            </a:r>
-            <a:endParaRPr lang="ru-RU" sz="4800" dirty="0"/>
+              <a:rPr lang="ru-RU" sz="4800" dirty="0" smtClean="0">
+                <a:solidFill>
+                  <a:schemeClr val="bg1"/>
+                </a:solidFill>
+              </a:rPr>
+              <a:t>Защита приложения</a:t>
+            </a:r>
+            <a:endParaRPr lang="ru-RU" sz="4800" dirty="0">
+              <a:solidFill>
+                <a:schemeClr val="bg1"/>
+              </a:solidFill>
+            </a:endParaRPr>
           </a:p>
         </p:txBody>
       </p:sp>
@@ -5542,20 +5769,12 @@
               <a:buNone/>
             </a:pPr>
             <a:r>
-              <a:rPr lang="ru-RU" sz="1800" dirty="0" smtClean="0"/>
-              <a:t>В п</a:t>
-            </a:r>
-            <a:r>
-              <a:rPr lang="ru-RU" sz="1800" dirty="0" smtClean="0"/>
-              <a:t>рограммном продукте </a:t>
-            </a:r>
-            <a:r>
-              <a:rPr lang="ru-RU" sz="1800" dirty="0" smtClean="0"/>
-              <a:t>реализованы </a:t>
-            </a:r>
-            <a:r>
-              <a:rPr lang="ru-RU" sz="1800" dirty="0" smtClean="0"/>
-              <a:t>следующие элементы защиты:</a:t>
+              <a:rPr lang="ru-RU" sz="1800" dirty="0" smtClean="0">
+                <a:solidFill>
+                  <a:schemeClr val="bg1"/>
+                </a:solidFill>
+              </a:rPr>
+              <a:t>В программном продукте реализованы следующие элементы защиты:</a:t>
             </a:r>
           </a:p>
           <a:p>
@@ -5563,103 +5782,137 @@
               <a:buNone/>
             </a:pPr>
             <a:r>
-              <a:rPr lang="ru-RU" sz="1800" dirty="0" smtClean="0"/>
-              <a:t>	</a:t>
-            </a:r>
-            <a:r>
-              <a:rPr lang="ru-RU" sz="1800" dirty="0" smtClean="0"/>
-              <a:t>1</a:t>
-            </a:r>
-            <a:r>
-              <a:rPr lang="en-US" sz="1800" dirty="0" smtClean="0"/>
+              <a:rPr lang="ru-RU" sz="1800" dirty="0" smtClean="0">
+                <a:solidFill>
+                  <a:schemeClr val="bg1"/>
+                </a:solidFill>
+              </a:rPr>
+              <a:t>	1</a:t>
+            </a:r>
+            <a:r>
+              <a:rPr lang="en-US" sz="1800" dirty="0" smtClean="0">
+                <a:solidFill>
+                  <a:schemeClr val="bg1"/>
+                </a:solidFill>
+              </a:rPr>
               <a:t>)</a:t>
             </a:r>
             <a:r>
-              <a:rPr lang="ru-RU" sz="1800" dirty="0" smtClean="0"/>
-              <a:t> </a:t>
-            </a:r>
-            <a:r>
-              <a:rPr lang="ru-RU" sz="1800" dirty="0" smtClean="0"/>
-              <a:t>Защита от копирования</a:t>
-            </a:r>
-            <a:r>
-              <a:rPr lang="en-US" sz="1800" dirty="0" smtClean="0"/>
+              <a:rPr lang="ru-RU" sz="1800" dirty="0" smtClean="0">
+                <a:solidFill>
+                  <a:schemeClr val="bg1"/>
+                </a:solidFill>
+              </a:rPr>
+              <a:t> Защита от копирования</a:t>
+            </a:r>
+            <a:r>
+              <a:rPr lang="en-US" sz="1800" dirty="0" smtClean="0">
+                <a:solidFill>
+                  <a:schemeClr val="bg1"/>
+                </a:solidFill>
+              </a:rPr>
               <a:t>:</a:t>
             </a:r>
-            <a:endParaRPr lang="ru-RU" sz="1800" dirty="0" smtClean="0"/>
+            <a:endParaRPr lang="ru-RU" sz="1800" dirty="0" smtClean="0">
+              <a:solidFill>
+                <a:schemeClr val="bg1"/>
+              </a:solidFill>
+            </a:endParaRPr>
           </a:p>
           <a:p>
             <a:pPr>
               <a:buNone/>
             </a:pPr>
             <a:r>
-              <a:rPr lang="ru-RU" sz="1800" dirty="0" smtClean="0"/>
-              <a:t>		а) Использование </a:t>
-            </a:r>
-            <a:r>
-              <a:rPr lang="ru-RU" sz="1800" dirty="0" smtClean="0"/>
-              <a:t>пароля</a:t>
-            </a:r>
-            <a:endParaRPr lang="ru-RU" sz="1800" dirty="0" smtClean="0"/>
+              <a:rPr lang="ru-RU" sz="1800" dirty="0" smtClean="0">
+                <a:solidFill>
+                  <a:schemeClr val="bg1"/>
+                </a:solidFill>
+              </a:rPr>
+              <a:t>		а) Использование пароля</a:t>
+            </a:r>
           </a:p>
           <a:p>
             <a:pPr>
               <a:buNone/>
             </a:pPr>
             <a:r>
-              <a:rPr lang="ru-RU" sz="1800" dirty="0" smtClean="0"/>
+              <a:rPr lang="ru-RU" sz="1800" dirty="0" smtClean="0">
+                <a:solidFill>
+                  <a:schemeClr val="bg1"/>
+                </a:solidFill>
+              </a:rPr>
               <a:t>	2) Защита от статического анализа</a:t>
             </a:r>
             <a:r>
-              <a:rPr lang="en-US" sz="1800" dirty="0" smtClean="0"/>
+              <a:rPr lang="en-US" sz="1800" dirty="0" smtClean="0">
+                <a:solidFill>
+                  <a:schemeClr val="bg1"/>
+                </a:solidFill>
+              </a:rPr>
               <a:t>:</a:t>
             </a:r>
-            <a:endParaRPr lang="ru-RU" sz="1800" dirty="0" smtClean="0"/>
+            <a:endParaRPr lang="ru-RU" sz="1800" dirty="0" smtClean="0">
+              <a:solidFill>
+                <a:schemeClr val="bg1"/>
+              </a:solidFill>
+            </a:endParaRPr>
           </a:p>
           <a:p>
             <a:pPr>
               <a:buNone/>
             </a:pPr>
             <a:r>
-              <a:rPr lang="ru-RU" sz="1800" dirty="0" smtClean="0"/>
-              <a:t>	</a:t>
-            </a:r>
-            <a:r>
-              <a:rPr lang="ru-RU" sz="1800" dirty="0" smtClean="0"/>
-              <a:t>	а)</a:t>
-            </a:r>
-            <a:r>
-              <a:rPr lang="en-US" sz="1800" dirty="0" smtClean="0"/>
+              <a:rPr lang="ru-RU" sz="1800" dirty="0" smtClean="0">
+                <a:solidFill>
+                  <a:schemeClr val="bg1"/>
+                </a:solidFill>
+              </a:rPr>
+              <a:t>		а)</a:t>
+            </a:r>
+            <a:r>
+              <a:rPr lang="en-US" sz="1800" dirty="0" smtClean="0">
+                <a:solidFill>
+                  <a:schemeClr val="bg1"/>
+                </a:solidFill>
+              </a:rPr>
               <a:t> </a:t>
             </a:r>
             <a:r>
-              <a:rPr lang="ru-RU" sz="1800" dirty="0" smtClean="0"/>
-              <a:t>Разнообразие </a:t>
-            </a:r>
-            <a:r>
-              <a:rPr lang="ru-RU" sz="1800" dirty="0" smtClean="0"/>
-              <a:t>путей к выходу из программы</a:t>
-            </a:r>
-            <a:endParaRPr lang="ru-RU" sz="1800" dirty="0" smtClean="0"/>
+              <a:rPr lang="ru-RU" sz="1800" dirty="0" smtClean="0">
+                <a:solidFill>
+                  <a:schemeClr val="bg1"/>
+                </a:solidFill>
+              </a:rPr>
+              <a:t>Разнообразие путей к выходу из программы</a:t>
+            </a:r>
           </a:p>
           <a:p>
             <a:pPr>
               <a:buNone/>
             </a:pPr>
             <a:r>
-              <a:rPr lang="ru-RU" sz="1800" dirty="0" smtClean="0"/>
-              <a:t>	</a:t>
-            </a:r>
-            <a:r>
-              <a:rPr lang="ru-RU" sz="1800" dirty="0" smtClean="0"/>
-              <a:t>	б)</a:t>
-            </a:r>
-            <a:r>
-              <a:rPr lang="en-US" sz="1800" dirty="0" smtClean="0"/>
+              <a:rPr lang="ru-RU" sz="1800" dirty="0" smtClean="0">
+                <a:solidFill>
+                  <a:schemeClr val="bg1"/>
+                </a:solidFill>
+              </a:rPr>
+              <a:t>		б)</a:t>
+            </a:r>
+            <a:r>
+              <a:rPr lang="en-US" sz="1800" dirty="0" smtClean="0">
+                <a:solidFill>
+                  <a:schemeClr val="bg1"/>
+                </a:solidFill>
+              </a:rPr>
               <a:t> </a:t>
             </a:r>
             <a:r>
-              <a:rPr lang="ru-RU" sz="1800" dirty="0" smtClean="0"/>
+              <a:rPr lang="ru-RU" sz="1800" dirty="0" smtClean="0">
+                <a:solidFill>
+                  <a:schemeClr val="bg1"/>
+                </a:solidFill>
+              </a:rPr>
               <a:t>Множественные проверки </a:t>
             </a:r>
           </a:p>
@@ -5668,19 +5921,19 @@
               <a:buNone/>
             </a:pPr>
             <a:r>
-              <a:rPr lang="ru-RU" sz="1800" dirty="0" smtClean="0"/>
-              <a:t>	</a:t>
-            </a:r>
-            <a:r>
-              <a:rPr lang="ru-RU" sz="1800" dirty="0" smtClean="0"/>
-              <a:t>3</a:t>
-            </a:r>
-            <a:r>
-              <a:rPr lang="ru-RU" sz="1800" dirty="0" smtClean="0"/>
-              <a:t>) Защита от динамического анализа</a:t>
-            </a:r>
-            <a:r>
-              <a:rPr lang="en-US" sz="1800" dirty="0" smtClean="0"/>
+              <a:rPr lang="ru-RU" sz="1800" dirty="0" smtClean="0">
+                <a:solidFill>
+                  <a:schemeClr val="bg1"/>
+                </a:solidFill>
+              </a:rPr>
+              <a:t>	3) Защита от динамического анализа</a:t>
+            </a:r>
+            <a:r>
+              <a:rPr lang="en-US" sz="1800" dirty="0" smtClean="0">
+                <a:solidFill>
+                  <a:schemeClr val="bg1"/>
+                </a:solidFill>
+              </a:rPr>
               <a:t>:</a:t>
             </a:r>
           </a:p>
@@ -5689,34 +5942,46 @@
               <a:buNone/>
             </a:pPr>
             <a:r>
-              <a:rPr lang="en-US" sz="1800" dirty="0" smtClean="0"/>
-              <a:t>	</a:t>
-            </a:r>
-            <a:r>
-              <a:rPr lang="en-US" sz="1800" dirty="0" smtClean="0"/>
-              <a:t>	</a:t>
-            </a:r>
-            <a:r>
-              <a:rPr lang="ru-RU" sz="1800" dirty="0" smtClean="0"/>
+              <a:rPr lang="en-US" sz="1800" dirty="0" smtClean="0">
+                <a:solidFill>
+                  <a:schemeClr val="bg1"/>
+                </a:solidFill>
+              </a:rPr>
+              <a:t>		</a:t>
+            </a:r>
+            <a:r>
+              <a:rPr lang="ru-RU" sz="1800" dirty="0" smtClean="0">
+                <a:solidFill>
+                  <a:schemeClr val="bg1"/>
+                </a:solidFill>
+              </a:rPr>
               <a:t>а) Пароль в виде </a:t>
             </a:r>
             <a:r>
-              <a:rPr lang="en-US" sz="1800" dirty="0" smtClean="0"/>
+              <a:rPr lang="en-US" sz="1800" dirty="0" smtClean="0">
+                <a:solidFill>
+                  <a:schemeClr val="bg1"/>
+                </a:solidFill>
+              </a:rPr>
               <a:t>Hash</a:t>
             </a:r>
-            <a:endParaRPr lang="ru-RU" sz="1800" dirty="0" smtClean="0"/>
+            <a:endParaRPr lang="ru-RU" sz="1800" dirty="0" smtClean="0">
+              <a:solidFill>
+                <a:schemeClr val="bg1"/>
+              </a:solidFill>
+            </a:endParaRPr>
           </a:p>
           <a:p>
             <a:pPr>
               <a:buNone/>
             </a:pPr>
             <a:r>
-              <a:rPr lang="ru-RU" sz="1800" dirty="0" smtClean="0"/>
-              <a:t>	</a:t>
-            </a:r>
-            <a:r>
-              <a:rPr lang="ru-RU" sz="1800" dirty="0" smtClean="0"/>
-              <a:t>	б) Проверка на запуск программы дизассемблирования</a:t>
+              <a:rPr lang="ru-RU" sz="1800" dirty="0" smtClean="0">
+                <a:solidFill>
+                  <a:schemeClr val="bg1"/>
+                </a:solidFill>
+              </a:rPr>
+              <a:t>		б) Проверка на запуск программы дизассемблирования</a:t>
             </a:r>
           </a:p>
           <a:p>
@@ -5724,51 +5989,71 @@
               <a:buNone/>
             </a:pPr>
             <a:r>
-              <a:rPr lang="ru-RU" sz="1800" dirty="0" smtClean="0"/>
-              <a:t>	</a:t>
-            </a:r>
-            <a:r>
-              <a:rPr lang="ru-RU" sz="1800" dirty="0" smtClean="0"/>
-              <a:t>	в) Таймеры на протяжении всей программы</a:t>
-            </a:r>
-            <a:endParaRPr lang="en-US" sz="1800" dirty="0" smtClean="0"/>
+              <a:rPr lang="ru-RU" sz="1800" dirty="0" smtClean="0">
+                <a:solidFill>
+                  <a:schemeClr val="bg1"/>
+                </a:solidFill>
+              </a:rPr>
+              <a:t>		в) Таймеры на протяжении всей программы</a:t>
+            </a:r>
+            <a:endParaRPr lang="en-US" sz="1800" dirty="0" smtClean="0">
+              <a:solidFill>
+                <a:schemeClr val="bg1"/>
+              </a:solidFill>
+            </a:endParaRPr>
           </a:p>
           <a:p>
             <a:pPr>
               <a:buNone/>
             </a:pPr>
             <a:r>
-              <a:rPr lang="ru-RU" sz="1800" dirty="0" smtClean="0"/>
-              <a:t>	4</a:t>
-            </a:r>
-            <a:r>
-              <a:rPr lang="ru-RU" sz="1800" dirty="0" smtClean="0"/>
-              <a:t>) Контроль целостности продукта</a:t>
-            </a:r>
-            <a:r>
-              <a:rPr lang="en-US" sz="1800" dirty="0" smtClean="0"/>
+              <a:rPr lang="ru-RU" sz="1800" dirty="0" smtClean="0">
+                <a:solidFill>
+                  <a:schemeClr val="bg1"/>
+                </a:solidFill>
+              </a:rPr>
+              <a:t>	4) Контроль целостности продукта</a:t>
+            </a:r>
+            <a:r>
+              <a:rPr lang="en-US" sz="1800" dirty="0" smtClean="0">
+                <a:solidFill>
+                  <a:schemeClr val="bg1"/>
+                </a:solidFill>
+              </a:rPr>
               <a:t>:</a:t>
             </a:r>
-            <a:endParaRPr lang="ru-RU" sz="1800" dirty="0" smtClean="0"/>
+            <a:endParaRPr lang="ru-RU" sz="1800" dirty="0" smtClean="0">
+              <a:solidFill>
+                <a:schemeClr val="bg1"/>
+              </a:solidFill>
+            </a:endParaRPr>
           </a:p>
           <a:p>
             <a:pPr>
               <a:buNone/>
             </a:pPr>
             <a:r>
-              <a:rPr lang="ru-RU" sz="1800" dirty="0" smtClean="0"/>
-              <a:t>	</a:t>
-            </a:r>
-            <a:r>
-              <a:rPr lang="ru-RU" sz="1800" dirty="0" smtClean="0"/>
-              <a:t>	а) Проверка </a:t>
-            </a:r>
-            <a:r>
-              <a:rPr lang="en-US" sz="1800" dirty="0" smtClean="0"/>
+              <a:rPr lang="ru-RU" sz="1800" dirty="0" smtClean="0">
+                <a:solidFill>
+                  <a:schemeClr val="bg1"/>
+                </a:solidFill>
+              </a:rPr>
+              <a:t>		а) Проверка </a:t>
+            </a:r>
+            <a:r>
+              <a:rPr lang="en-US" sz="1800" dirty="0" smtClean="0">
+                <a:solidFill>
+                  <a:schemeClr val="bg1"/>
+                </a:solidFill>
+              </a:rPr>
               <a:t>Hash </a:t>
             </a:r>
             <a:r>
-              <a:rPr lang="ru-RU" sz="1800" dirty="0" smtClean="0"/>
+              <a:rPr lang="ru-RU" sz="1800" dirty="0" smtClean="0">
+                <a:solidFill>
+                  <a:schemeClr val="bg1"/>
+                </a:solidFill>
+              </a:rPr>
               <a:t>суммы файла</a:t>
             </a:r>
           </a:p>
@@ -5777,35 +6062,18 @@
               <a:buNone/>
             </a:pPr>
             <a:r>
-              <a:rPr lang="en-US" sz="1800" dirty="0" smtClean="0"/>
-              <a:t>	</a:t>
-            </a:r>
-            <a:r>
-              <a:rPr lang="en-US" sz="1800" dirty="0" smtClean="0"/>
-              <a:t>	</a:t>
-            </a:r>
-            <a:endParaRPr lang="ru-RU" sz="1800" dirty="0" smtClean="0"/>
-          </a:p>
-          <a:p>
-            <a:pPr>
-              <a:buNone/>
-            </a:pPr>
-            <a:endParaRPr lang="en-US" dirty="0" smtClean="0"/>
-          </a:p>
-          <a:p>
-            <a:pPr marL="0" indent="0">
-              <a:buNone/>
-            </a:pPr>
-            <a:endParaRPr lang="en-US" dirty="0"/>
-          </a:p>
-          <a:p>
-            <a:pPr marL="0" indent="0">
-              <a:buNone/>
-            </a:pPr>
-            <a:endParaRPr lang="ru-RU" dirty="0" smtClean="0"/>
-          </a:p>
-          <a:p>
-            <a:endParaRPr lang="ru-RU" dirty="0"/>
+              <a:rPr lang="en-US" sz="1800" dirty="0" smtClean="0">
+                <a:solidFill>
+                  <a:schemeClr val="bg1"/>
+                </a:solidFill>
+              </a:rPr>
+              <a:t>		</a:t>
+            </a:r>
+            <a:endParaRPr lang="ru-RU" sz="1800" dirty="0" smtClean="0">
+              <a:solidFill>
+                <a:schemeClr val="bg1"/>
+              </a:solidFill>
+            </a:endParaRPr>
           </a:p>
         </p:txBody>
       </p:sp>
@@ -5831,8 +6099,10 @@
             <a:avLst/>
           </a:prstGeom>
           <a:noFill/>
-          <a:ln w="9525">
-            <a:noFill/>
+          <a:ln w="28575">
+            <a:solidFill>
+              <a:schemeClr val="bg1"/>
+            </a:solidFill>
             <a:miter lim="800000"/>
             <a:headEnd/>
             <a:tailEnd/>
@@ -5861,8 +6131,10 @@
             <a:avLst/>
           </a:prstGeom>
           <a:noFill/>
-          <a:ln w="9525">
-            <a:noFill/>
+          <a:ln w="28575">
+            <a:solidFill>
+              <a:schemeClr val="bg1"/>
+            </a:solidFill>
             <a:miter lim="800000"/>
             <a:headEnd/>
             <a:tailEnd/>
@@ -5893,8 +6165,10 @@
             <a:avLst/>
           </a:prstGeom>
           <a:noFill/>
-          <a:ln w="9525">
-            <a:noFill/>
+          <a:ln w="28575">
+            <a:solidFill>
+              <a:schemeClr val="bg1"/>
+            </a:solidFill>
             <a:miter lim="800000"/>
             <a:headEnd/>
             <a:tailEnd/>
@@ -5904,7 +6178,7 @@
     </p:spTree>
     <p:extLst>
       <p:ext uri="{BB962C8B-B14F-4D97-AF65-F5344CB8AC3E}">
-        <p14:creationId xmlns="" xmlns:p14="http://schemas.microsoft.com/office/powerpoint/2010/main" val="2545666138"/>
+        <p14:creationId xmlns:p14="http://schemas.microsoft.com/office/powerpoint/2010/main" xmlns="" val="2545666138"/>
       </p:ext>
     </p:extLst>
   </p:cSld>
@@ -5960,71 +6234,102 @@
           <a:lstStyle/>
           <a:p>
             <a:r>
-              <a:rPr lang="ru-RU" sz="2400" dirty="0" smtClean="0"/>
+              <a:rPr lang="ru-RU" sz="2400" dirty="0" smtClean="0">
+                <a:solidFill>
+                  <a:schemeClr val="bg1"/>
+                </a:solidFill>
+              </a:rPr>
               <a:t>	</a:t>
             </a:r>
             <a:r>
-              <a:rPr lang="ru-RU" dirty="0" smtClean="0"/>
-              <a:t>Что сервер, что клиент защищены паролем на вход. При включении сервера происходит проверка пароля на подлинность. </a:t>
-            </a:r>
-            <a:r>
-              <a:rPr lang="ru-RU" dirty="0" smtClean="0"/>
-              <a:t>При неверном пароле программа </a:t>
-            </a:r>
-            <a:r>
-              <a:rPr lang="ru-RU" dirty="0" smtClean="0"/>
-              <a:t>выключается. Проверка на клиенте происходит в два этапа. Первый этап – отправка пароля на сервер, его проверка на подлинность. Второй этап – получение ответа от сервера. Если пароль верный, то сервер дает добро на подключение, если пароль неверный, то сервер закрывает соединение с этим клиентом.</a:t>
-            </a:r>
-          </a:p>
-          <a:p>
-            <a:r>
-              <a:rPr lang="ru-RU" dirty="0" smtClean="0"/>
+              <a:rPr lang="ru-RU" dirty="0" smtClean="0">
+                <a:solidFill>
+                  <a:schemeClr val="bg1"/>
+                </a:solidFill>
+              </a:rPr>
+              <a:t>Что сервер, что клиент защищены паролем на вход. При включении сервера происходит проверка пароля на подлинность. При неверном пароле программа выключается. Проверка на клиенте происходит в два этапа. Первый этап – отправка пароля на сервер, его проверка на подлинность. Второй этап – получение ответа от сервера. Если пароль верный, то сервер дает добро на подключение, если пароль неверный, то сервер закрывает соединение с этим клиентом.</a:t>
+            </a:r>
+          </a:p>
+          <a:p>
+            <a:r>
+              <a:rPr lang="ru-RU" dirty="0" smtClean="0">
+                <a:solidFill>
+                  <a:schemeClr val="bg1"/>
+                </a:solidFill>
+              </a:rPr>
+              <a:t>	Генерация пароля осуществляется другой программой, доступ к которой злоумышленник не умеет. Для сервера пароль зависит от введенных данных </a:t>
+            </a:r>
+            <a:r>
+              <a:rPr lang="en-US" dirty="0" err="1" smtClean="0">
+                <a:solidFill>
+                  <a:schemeClr val="bg1"/>
+                </a:solidFill>
+              </a:rPr>
+              <a:t>ip</a:t>
+            </a:r>
+            <a:r>
+              <a:rPr lang="en-US" dirty="0" smtClean="0">
+                <a:solidFill>
+                  <a:schemeClr val="bg1"/>
+                </a:solidFill>
+              </a:rPr>
+              <a:t> </a:t>
+            </a:r>
+            <a:r>
+              <a:rPr lang="ru-RU" dirty="0" smtClean="0">
+                <a:solidFill>
+                  <a:schemeClr val="bg1"/>
+                </a:solidFill>
+              </a:rPr>
+              <a:t>адреса и порта. Для клиента пароль зависит от введенного логина.</a:t>
+            </a:r>
+          </a:p>
+          <a:p>
+            <a:r>
+              <a:rPr lang="ru-RU" dirty="0" smtClean="0">
+                <a:solidFill>
+                  <a:schemeClr val="bg1"/>
+                </a:solidFill>
+              </a:rPr>
+              <a:t>	Алгоритм создания пароля довольно сложен, именно из-за этого подобрать пароль не зная точного алгоритма его создания практически невозможно.</a:t>
+            </a:r>
+            <a:endParaRPr lang="en-US" dirty="0" smtClean="0">
+              <a:solidFill>
+                <a:schemeClr val="bg1"/>
+              </a:solidFill>
+            </a:endParaRPr>
+          </a:p>
+          <a:p>
+            <a:r>
+              <a:rPr lang="en-US" dirty="0" smtClean="0">
+                <a:solidFill>
+                  <a:schemeClr val="bg1"/>
+                </a:solidFill>
+              </a:rPr>
               <a:t>	</a:t>
             </a:r>
-            <a:r>
-              <a:rPr lang="ru-RU" dirty="0" smtClean="0"/>
-              <a:t>Генерация пароля осуществляется другой программой, доступ к которой злоумышленник не умеет. Для сервера пароль зависит от введенных данных </a:t>
-            </a:r>
-            <a:r>
-              <a:rPr lang="en-US" dirty="0" err="1" smtClean="0"/>
-              <a:t>ip</a:t>
-            </a:r>
-            <a:r>
-              <a:rPr lang="en-US" dirty="0" smtClean="0"/>
-              <a:t> </a:t>
-            </a:r>
-            <a:r>
-              <a:rPr lang="ru-RU" dirty="0" smtClean="0"/>
-              <a:t>адреса и порта. Для клиента пароль зависит от введенного логина.</a:t>
-            </a:r>
-          </a:p>
-          <a:p>
-            <a:r>
-              <a:rPr lang="ru-RU" dirty="0" smtClean="0"/>
+            <a:endParaRPr lang="ru-RU" dirty="0" smtClean="0">
+              <a:solidFill>
+                <a:schemeClr val="bg1"/>
+              </a:solidFill>
+            </a:endParaRPr>
+          </a:p>
+          <a:p>
+            <a:r>
+              <a:rPr lang="ru-RU" dirty="0" smtClean="0">
+                <a:solidFill>
+                  <a:schemeClr val="bg1"/>
+                </a:solidFill>
+              </a:rPr>
               <a:t>	</a:t>
             </a:r>
-            <a:r>
-              <a:rPr lang="ru-RU" dirty="0" smtClean="0"/>
-              <a:t>Алгоритм создания пароля довольно сложен, именно из-за этого подобрать пароль не зная точного алгоритма его создания практически невозможно.</a:t>
-            </a:r>
-            <a:endParaRPr lang="en-US" dirty="0" smtClean="0"/>
-          </a:p>
-          <a:p>
-            <a:r>
-              <a:rPr lang="en-US" dirty="0" smtClean="0"/>
-              <a:t>	</a:t>
-            </a:r>
-            <a:endParaRPr lang="ru-RU" dirty="0" smtClean="0"/>
-          </a:p>
-          <a:p>
-            <a:r>
-              <a:rPr lang="ru-RU" dirty="0" smtClean="0"/>
-              <a:t>	</a:t>
-            </a:r>
-            <a:endParaRPr lang="ru-RU" dirty="0" smtClean="0"/>
-          </a:p>
-          <a:p>
-            <a:endParaRPr lang="ru-RU" dirty="0"/>
+          </a:p>
+          <a:p>
+            <a:endParaRPr lang="ru-RU" dirty="0">
+              <a:solidFill>
+                <a:schemeClr val="bg1"/>
+              </a:solidFill>
+            </a:endParaRPr>
           </a:p>
         </p:txBody>
       </p:sp>
@@ -6051,10 +6356,18 @@
           <a:lstStyle/>
           <a:p>
             <a:r>
-              <a:rPr lang="ru-RU" sz="4800" dirty="0" smtClean="0"/>
+              <a:rPr lang="ru-RU" sz="4800" dirty="0" smtClean="0">
+                <a:solidFill>
+                  <a:schemeClr val="bg1"/>
+                </a:solidFill>
+              </a:rPr>
               <a:t>Защита от копирования</a:t>
             </a:r>
-            <a:endParaRPr lang="ru-RU" sz="4800" dirty="0"/>
+            <a:endParaRPr lang="ru-RU" sz="4800" dirty="0">
+              <a:solidFill>
+                <a:schemeClr val="bg1"/>
+              </a:solidFill>
+            </a:endParaRPr>
           </a:p>
         </p:txBody>
       </p:sp>
@@ -6082,8 +6395,10 @@
             <a:avLst/>
           </a:prstGeom>
           <a:noFill/>
-          <a:ln w="9525">
-            <a:noFill/>
+          <a:ln w="28575">
+            <a:solidFill>
+              <a:schemeClr val="bg1"/>
+            </a:solidFill>
             <a:miter lim="800000"/>
             <a:headEnd/>
             <a:tailEnd/>
@@ -6112,17 +6427,25 @@
           <a:lstStyle/>
           <a:p>
             <a:r>
-              <a:rPr lang="ru-RU" dirty="0" smtClean="0"/>
+              <a:rPr lang="ru-RU" dirty="0" smtClean="0">
+                <a:solidFill>
+                  <a:schemeClr val="bg1"/>
+                </a:solidFill>
+              </a:rPr>
               <a:t>Пример паролей</a:t>
             </a:r>
-            <a:endParaRPr lang="ru-RU" dirty="0"/>
+            <a:endParaRPr lang="ru-RU" dirty="0">
+              <a:solidFill>
+                <a:schemeClr val="bg1"/>
+              </a:solidFill>
+            </a:endParaRPr>
           </a:p>
         </p:txBody>
       </p:sp>
     </p:spTree>
     <p:extLst>
       <p:ext uri="{BB962C8B-B14F-4D97-AF65-F5344CB8AC3E}">
-        <p14:creationId xmlns="" xmlns:p14="http://schemas.microsoft.com/office/powerpoint/2010/main" val="1477595779"/>
+        <p14:creationId xmlns:p14="http://schemas.microsoft.com/office/powerpoint/2010/main" xmlns="" val="1477595779"/>
       </p:ext>
     </p:extLst>
   </p:cSld>
@@ -6181,83 +6504,79 @@
               <a:buNone/>
             </a:pPr>
             <a:r>
-              <a:rPr lang="ru-RU" dirty="0" smtClean="0"/>
+              <a:rPr lang="ru-RU" dirty="0" smtClean="0">
+                <a:solidFill>
+                  <a:schemeClr val="bg1"/>
+                </a:solidFill>
+              </a:rPr>
               <a:t>	</a:t>
             </a:r>
             <a:r>
-              <a:rPr lang="en-US" dirty="0" smtClean="0"/>
+              <a:rPr lang="en-US" dirty="0" smtClean="0">
+                <a:solidFill>
+                  <a:schemeClr val="bg1"/>
+                </a:solidFill>
+              </a:rPr>
               <a:t> </a:t>
             </a:r>
             <a:r>
-              <a:rPr lang="ru-RU" dirty="0" smtClean="0"/>
-              <a:t>Использование дюжины </a:t>
-            </a:r>
-            <a:r>
-              <a:rPr lang="ru-RU" dirty="0" smtClean="0"/>
-              <a:t>функций для выхода из программы </a:t>
-            </a:r>
-            <a:r>
-              <a:rPr lang="ru-RU" dirty="0" smtClean="0"/>
-              <a:t>дает неплохую прибавку к усложнению статического анализа. При </a:t>
-            </a:r>
-            <a:r>
-              <a:rPr lang="ru-RU" dirty="0" smtClean="0"/>
-              <a:t>различных ошибках, будь то неправильный пароль, или изменение целостности программы, выполняется </a:t>
-            </a:r>
-            <a:r>
-              <a:rPr lang="ru-RU" dirty="0" smtClean="0"/>
-              <a:t>одна функций, отвечающая за выход из программы. </a:t>
-            </a:r>
-            <a:r>
-              <a:rPr lang="ru-RU" dirty="0" smtClean="0"/>
-              <a:t>Все они имеют одинаковую структуру, но имеют небольшие различия в коде. Отличия нужны для того, чтобы компилятор не упрощал выполнение той или  иной функции, тем самым усложняя процесс статического и динамического анализа. </a:t>
-            </a:r>
-          </a:p>
-          <a:p>
-            <a:r>
-              <a:rPr lang="ru-RU" dirty="0" smtClean="0"/>
-              <a:t>	</a:t>
-            </a:r>
-            <a:r>
-              <a:rPr lang="ru-RU" dirty="0" smtClean="0"/>
-              <a:t>Для запутывания хакера также использовалось </a:t>
-            </a:r>
-            <a:r>
-              <a:rPr lang="ru-RU" dirty="0" smtClean="0"/>
-              <a:t>неправильное отображение информации о запуске </a:t>
-            </a:r>
-            <a:r>
-              <a:rPr lang="ru-RU" dirty="0" smtClean="0"/>
-              <a:t>программы. Например выводом сообщения “</a:t>
-            </a:r>
-            <a:r>
-              <a:rPr lang="en-US" dirty="0" smtClean="0"/>
+              <a:rPr lang="ru-RU" dirty="0" smtClean="0">
+                <a:solidFill>
+                  <a:schemeClr val="bg1"/>
+                </a:solidFill>
+              </a:rPr>
+              <a:t>Использование дюжины функций для выхода из программы дает неплохую прибавку к усложнению статического анализа. При различных ошибках, будь то неправильный пароль, или изменение целостности программы, выполняется одна функций, отвечающая за выход из программы. Все они имеют одинаковую структуру, но имеют небольшие различия в коде. Отличия нужны для того, чтобы компилятор не упрощал выполнение той или  иной функции, тем самым усложняя процесс статического и динамического анализа. </a:t>
+            </a:r>
+          </a:p>
+          <a:p>
+            <a:r>
+              <a:rPr lang="ru-RU" dirty="0" smtClean="0">
+                <a:solidFill>
+                  <a:schemeClr val="bg1"/>
+                </a:solidFill>
+              </a:rPr>
+              <a:t>	Для запутывания хакера также использовалось неправильное отображение информации о запуске программы. Например выводом сообщения “</a:t>
+            </a:r>
+            <a:r>
+              <a:rPr lang="en-US" dirty="0" smtClean="0">
+                <a:solidFill>
+                  <a:schemeClr val="bg1"/>
+                </a:solidFill>
+              </a:rPr>
               <a:t>Open server on</a:t>
             </a:r>
             <a:r>
-              <a:rPr lang="ru-RU" dirty="0" smtClean="0"/>
-              <a:t>”. На самом же деле вся эта функция ведет прямиком к выходу из программы</a:t>
-            </a:r>
-            <a:r>
-              <a:rPr lang="ru-RU" dirty="0" smtClean="0"/>
-              <a:t>.</a:t>
-            </a:r>
-          </a:p>
-          <a:p>
-            <a:endParaRPr lang="ru-RU" dirty="0" smtClean="0"/>
-          </a:p>
-          <a:p>
-            <a:r>
-              <a:rPr lang="ru-RU" dirty="0" smtClean="0"/>
-              <a:t>	Взломщик</a:t>
-            </a:r>
-            <a:r>
-              <a:rPr lang="ru-RU" dirty="0" smtClean="0"/>
-              <a:t>, даже если и обнаружит участок кода, который отвечает за закрытие приложения, всё равно не сможет добиться работоспособности чата. На протяжении всей программы абсолютно все способы защиты проверяются по два, а то и по три раза. Это явно создаст проблему для взломщика ПО.</a:t>
-            </a:r>
-          </a:p>
-          <a:p>
-            <a:endParaRPr lang="ru-RU" dirty="0" smtClean="0"/>
+              <a:rPr lang="ru-RU" dirty="0" smtClean="0">
+                <a:solidFill>
+                  <a:schemeClr val="bg1"/>
+                </a:solidFill>
+              </a:rPr>
+              <a:t>”. На самом же деле вся эта функция ведет прямиком к выходу из программы.</a:t>
+            </a:r>
+          </a:p>
+          <a:p>
+            <a:endParaRPr lang="ru-RU" dirty="0" smtClean="0">
+              <a:solidFill>
+                <a:schemeClr val="bg1"/>
+              </a:solidFill>
+            </a:endParaRPr>
+          </a:p>
+          <a:p>
+            <a:r>
+              <a:rPr lang="ru-RU" dirty="0" smtClean="0">
+                <a:solidFill>
+                  <a:schemeClr val="bg1"/>
+                </a:solidFill>
+              </a:rPr>
+              <a:t>	Взломщик, даже если и обнаружит участок кода, который отвечает за закрытие приложения, всё равно не сможет добиться работоспособности чата. На протяжении всей программы абсолютно все способы защиты проверяются по два, а то и по три раза. Это явно создаст проблему для взломщика ПО.</a:t>
+            </a:r>
+          </a:p>
+          <a:p>
+            <a:endParaRPr lang="ru-RU" dirty="0" smtClean="0">
+              <a:solidFill>
+                <a:schemeClr val="bg1"/>
+              </a:solidFill>
+            </a:endParaRPr>
           </a:p>
         </p:txBody>
       </p:sp>
@@ -6284,10 +6603,18 @@
           <a:lstStyle/>
           <a:p>
             <a:r>
-              <a:rPr lang="ru-RU" sz="4800" dirty="0" smtClean="0"/>
+              <a:rPr lang="ru-RU" sz="4800" dirty="0" smtClean="0">
+                <a:solidFill>
+                  <a:schemeClr val="bg1"/>
+                </a:solidFill>
+              </a:rPr>
               <a:t>Защита от статического анализа</a:t>
             </a:r>
-            <a:endParaRPr lang="ru-RU" sz="4800" dirty="0"/>
+            <a:endParaRPr lang="ru-RU" sz="4800" dirty="0">
+              <a:solidFill>
+                <a:schemeClr val="bg1"/>
+              </a:solidFill>
+            </a:endParaRPr>
           </a:p>
         </p:txBody>
       </p:sp>
@@ -6313,8 +6640,10 @@
             <a:avLst/>
           </a:prstGeom>
           <a:noFill/>
-          <a:ln w="9525">
-            <a:noFill/>
+          <a:ln w="28575">
+            <a:solidFill>
+              <a:schemeClr val="bg1"/>
+            </a:solidFill>
             <a:miter lim="800000"/>
             <a:headEnd/>
             <a:tailEnd/>
@@ -6343,8 +6672,10 @@
             <a:avLst/>
           </a:prstGeom>
           <a:noFill/>
-          <a:ln w="9525">
-            <a:noFill/>
+          <a:ln w="28575">
+            <a:solidFill>
+              <a:schemeClr val="bg1"/>
+            </a:solidFill>
             <a:miter lim="800000"/>
             <a:headEnd/>
             <a:tailEnd/>
@@ -6354,7 +6685,7 @@
     </p:spTree>
     <p:extLst>
       <p:ext uri="{BB962C8B-B14F-4D97-AF65-F5344CB8AC3E}">
-        <p14:creationId xmlns="" xmlns:p14="http://schemas.microsoft.com/office/powerpoint/2010/main" val="1477595779"/>
+        <p14:creationId xmlns:p14="http://schemas.microsoft.com/office/powerpoint/2010/main" xmlns="" val="1477595779"/>
       </p:ext>
     </p:extLst>
   </p:cSld>
@@ -6413,91 +6744,147 @@
               <a:buNone/>
             </a:pPr>
             <a:r>
-              <a:rPr lang="ru-RU" dirty="0" smtClean="0"/>
+              <a:rPr lang="ru-RU" dirty="0" smtClean="0">
+                <a:solidFill>
+                  <a:schemeClr val="bg1"/>
+                </a:solidFill>
+              </a:rPr>
               <a:t>	Использование </a:t>
             </a:r>
             <a:r>
-              <a:rPr lang="en-US" dirty="0" smtClean="0"/>
+              <a:rPr lang="en-US" dirty="0" smtClean="0">
+                <a:solidFill>
+                  <a:schemeClr val="bg1"/>
+                </a:solidFill>
+              </a:rPr>
               <a:t>hash </a:t>
             </a:r>
             <a:r>
-              <a:rPr lang="ru-RU" dirty="0" smtClean="0"/>
-              <a:t>пароля усложняет процесс динамического анализа. У клиента, введенный в текстовый файл пароль, отправляется </a:t>
-            </a:r>
-            <a:r>
-              <a:rPr lang="ru-RU" dirty="0" smtClean="0"/>
-              <a:t>на сервер, переводится в </a:t>
-            </a:r>
-            <a:r>
-              <a:rPr lang="en-US" dirty="0" smtClean="0"/>
+              <a:rPr lang="ru-RU" dirty="0" smtClean="0">
+                <a:solidFill>
+                  <a:schemeClr val="bg1"/>
+                </a:solidFill>
+              </a:rPr>
+              <a:t>пароля усложняет процесс динамического анализа. У клиента, введенный в текстовый файл пароль, отправляется на сервер, переводится в </a:t>
+            </a:r>
+            <a:r>
+              <a:rPr lang="en-US" dirty="0" smtClean="0">
+                <a:solidFill>
+                  <a:schemeClr val="bg1"/>
+                </a:solidFill>
+              </a:rPr>
               <a:t>hash</a:t>
             </a:r>
             <a:r>
-              <a:rPr lang="ru-RU" dirty="0" smtClean="0"/>
+              <a:rPr lang="ru-RU" dirty="0" smtClean="0">
+                <a:solidFill>
+                  <a:schemeClr val="bg1"/>
+                </a:solidFill>
+              </a:rPr>
               <a:t> и сверяется, подходит ли он под критерии. </a:t>
             </a:r>
             <a:r>
-              <a:rPr lang="en-US" dirty="0" smtClean="0"/>
+              <a:rPr lang="en-US" dirty="0" smtClean="0">
+                <a:solidFill>
+                  <a:schemeClr val="bg1"/>
+                </a:solidFill>
+              </a:rPr>
               <a:t>Hash</a:t>
             </a:r>
             <a:r>
-              <a:rPr lang="ru-RU" dirty="0" smtClean="0"/>
+              <a:rPr lang="ru-RU" dirty="0" smtClean="0">
+                <a:solidFill>
+                  <a:schemeClr val="bg1"/>
+                </a:solidFill>
+              </a:rPr>
               <a:t> создается на основе логина пользователя. Сам алгоритм берет поочередно каждую букву </a:t>
             </a:r>
             <a:r>
-              <a:rPr lang="ru-RU" dirty="0" err="1" smtClean="0"/>
+              <a:rPr lang="ru-RU" dirty="0" err="1" smtClean="0">
+                <a:solidFill>
+                  <a:schemeClr val="bg1"/>
+                </a:solidFill>
+              </a:rPr>
               <a:t>логина+логина</a:t>
             </a:r>
             <a:r>
-              <a:rPr lang="ru-RU" dirty="0" smtClean="0"/>
+              <a:rPr lang="ru-RU" dirty="0" smtClean="0">
+                <a:solidFill>
+                  <a:schemeClr val="bg1"/>
+                </a:solidFill>
+              </a:rPr>
               <a:t>, преобразует его в </a:t>
             </a:r>
             <a:r>
-              <a:rPr lang="en-US" dirty="0" smtClean="0"/>
+              <a:rPr lang="en-US" dirty="0" smtClean="0">
+                <a:solidFill>
+                  <a:schemeClr val="bg1"/>
+                </a:solidFill>
+              </a:rPr>
               <a:t>ASCII</a:t>
             </a:r>
             <a:r>
-              <a:rPr lang="ru-RU" dirty="0" smtClean="0"/>
-              <a:t>, а затем умножает на одно из простых чисел </a:t>
-            </a:r>
-            <a:r>
-              <a:rPr lang="ru-RU" dirty="0" smtClean="0"/>
-              <a:t>массива. </a:t>
-            </a:r>
-            <a:r>
-              <a:rPr lang="ru-RU" dirty="0" smtClean="0"/>
-              <a:t>К конечному результату добавляется фиксированное число, созданное тем же алгоритмом, оно нужно для усложнения </a:t>
-            </a:r>
-            <a:r>
-              <a:rPr lang="en-US" dirty="0" smtClean="0"/>
+              <a:rPr lang="ru-RU" dirty="0" smtClean="0">
+                <a:solidFill>
+                  <a:schemeClr val="bg1"/>
+                </a:solidFill>
+              </a:rPr>
+              <a:t>, а затем умножает на одно из простых чисел массива. К конечному результату добавляется фиксированное число, созданное тем же алгоритмом, оно нужно для усложнения </a:t>
+            </a:r>
+            <a:r>
+              <a:rPr lang="en-US" dirty="0" smtClean="0">
+                <a:solidFill>
+                  <a:schemeClr val="bg1"/>
+                </a:solidFill>
+              </a:rPr>
               <a:t>hash</a:t>
             </a:r>
             <a:r>
-              <a:rPr lang="ru-RU" dirty="0" smtClean="0"/>
-              <a:t> суммы</a:t>
-            </a:r>
-            <a:r>
-              <a:rPr lang="ru-RU" dirty="0" smtClean="0"/>
-              <a:t>. Серверный пароль преобразуется в </a:t>
-            </a:r>
-            <a:r>
-              <a:rPr lang="en-US" dirty="0" smtClean="0"/>
+              <a:rPr lang="ru-RU" dirty="0" smtClean="0">
+                <a:solidFill>
+                  <a:schemeClr val="bg1"/>
+                </a:solidFill>
+              </a:rPr>
+              <a:t> суммы. Серверный пароль преобразуется в </a:t>
+            </a:r>
+            <a:r>
+              <a:rPr lang="en-US" dirty="0" smtClean="0">
+                <a:solidFill>
+                  <a:schemeClr val="bg1"/>
+                </a:solidFill>
+              </a:rPr>
               <a:t>hash </a:t>
             </a:r>
             <a:r>
-              <a:rPr lang="ru-RU" dirty="0" smtClean="0"/>
+              <a:rPr lang="ru-RU" dirty="0" smtClean="0">
+                <a:solidFill>
+                  <a:schemeClr val="bg1"/>
+                </a:solidFill>
+              </a:rPr>
               <a:t>по тому же принципу, но вместо логина используется </a:t>
             </a:r>
             <a:r>
-              <a:rPr lang="en-US" dirty="0" err="1" smtClean="0"/>
+              <a:rPr lang="en-US" dirty="0" err="1" smtClean="0">
+                <a:solidFill>
+                  <a:schemeClr val="bg1"/>
+                </a:solidFill>
+              </a:rPr>
               <a:t>ip+port+ip</a:t>
             </a:r>
             <a:r>
-              <a:rPr lang="en-US" dirty="0" smtClean="0"/>
+              <a:rPr lang="en-US" dirty="0" smtClean="0">
+                <a:solidFill>
+                  <a:schemeClr val="bg1"/>
+                </a:solidFill>
+              </a:rPr>
               <a:t> </a:t>
             </a:r>
             <a:r>
-              <a:rPr lang="ru-RU" dirty="0" smtClean="0"/>
+              <a:rPr lang="ru-RU" dirty="0" smtClean="0">
+                <a:solidFill>
+                  <a:schemeClr val="bg1"/>
+                </a:solidFill>
+              </a:rPr>
               <a:t>добавляется другое фиксированное число.</a:t>
             </a:r>
           </a:p>
@@ -6505,17 +6892,24 @@
             <a:pPr>
               <a:buNone/>
             </a:pPr>
-            <a:endParaRPr lang="ru-RU" dirty="0" smtClean="0"/>
+            <a:endParaRPr lang="ru-RU" dirty="0" smtClean="0">
+              <a:solidFill>
+                <a:schemeClr val="bg1"/>
+              </a:solidFill>
+            </a:endParaRPr>
           </a:p>
           <a:p>
             <a:pPr>
               <a:buNone/>
             </a:pPr>
             <a:r>
-              <a:rPr lang="ru-RU" dirty="0" smtClean="0"/>
+              <a:rPr lang="ru-RU" dirty="0" smtClean="0">
+                <a:solidFill>
+                  <a:schemeClr val="bg1"/>
+                </a:solidFill>
+              </a:rPr>
               <a:t>	Программы дизассемблирования – основная угроза для приложения, именно поэтому  была создана функция, которая проверяет, запущена ли та или иная программа дизассемблера. Если да, то приложение завершает работу.</a:t>
             </a:r>
-            <a:endParaRPr lang="ru-RU" dirty="0" smtClean="0"/>
           </a:p>
         </p:txBody>
       </p:sp>
@@ -6565,7 +6959,7 @@
                   <a:noFill/>
                 </a:ln>
                 <a:solidFill>
-                  <a:schemeClr val="tx1"/>
+                  <a:schemeClr val="bg1"/>
                 </a:solidFill>
                 <a:effectLst/>
                 <a:uLnTx/>
@@ -6581,7 +6975,7 @@
                 <a:noFill/>
               </a:ln>
               <a:solidFill>
-                <a:schemeClr val="tx1"/>
+                <a:schemeClr val="bg1"/>
               </a:solidFill>
               <a:effectLst/>
               <a:uLnTx/>
@@ -6615,8 +7009,10 @@
             <a:avLst/>
           </a:prstGeom>
           <a:noFill/>
-          <a:ln w="9525">
-            <a:noFill/>
+          <a:ln w="28575">
+            <a:solidFill>
+              <a:schemeClr val="bg1"/>
+            </a:solidFill>
             <a:miter lim="800000"/>
             <a:headEnd/>
             <a:tailEnd/>
@@ -6645,8 +7041,10 @@
             <a:avLst/>
           </a:prstGeom>
           <a:noFill/>
-          <a:ln w="9525">
-            <a:noFill/>
+          <a:ln w="28575">
+            <a:solidFill>
+              <a:schemeClr val="bg1"/>
+            </a:solidFill>
             <a:miter lim="800000"/>
             <a:headEnd/>
             <a:tailEnd/>
@@ -6675,29 +7073,41 @@
           <a:lstStyle/>
           <a:p>
             <a:r>
-              <a:rPr lang="ru-RU" dirty="0" smtClean="0"/>
-              <a:t>	Любое </a:t>
-            </a:r>
-            <a:r>
-              <a:rPr lang="ru-RU" dirty="0" smtClean="0"/>
-              <a:t>проявление динамического анализа контролируется таймерами на всём участке кода. Все таймеры в коде взяты с запасом для того, чтобы </a:t>
-            </a:r>
-            <a:r>
-              <a:rPr lang="ru-RU" dirty="0" err="1" smtClean="0"/>
+              <a:rPr lang="ru-RU" dirty="0" smtClean="0">
+                <a:solidFill>
+                  <a:schemeClr val="bg1"/>
+                </a:solidFill>
+              </a:rPr>
+              <a:t>	Любое проявление динамического анализа контролируется таймерами на всём участке кода. Все таймеры в коде взяты с запасом для того, чтобы </a:t>
+            </a:r>
+            <a:r>
+              <a:rPr lang="ru-RU" dirty="0" err="1" smtClean="0">
+                <a:solidFill>
+                  <a:schemeClr val="bg1"/>
+                </a:solidFill>
+              </a:rPr>
               <a:t>слабопроизводительные</a:t>
             </a:r>
             <a:r>
-              <a:rPr lang="ru-RU" dirty="0" smtClean="0"/>
+              <a:rPr lang="ru-RU" dirty="0" smtClean="0">
+                <a:solidFill>
+                  <a:schemeClr val="bg1"/>
+                </a:solidFill>
+              </a:rPr>
               <a:t> компьютеры не вызывали ложного срабатывания таймера. </a:t>
             </a:r>
-            <a:endParaRPr lang="ru-RU" dirty="0"/>
+            <a:endParaRPr lang="ru-RU" dirty="0">
+              <a:solidFill>
+                <a:schemeClr val="bg1"/>
+              </a:solidFill>
+            </a:endParaRPr>
           </a:p>
         </p:txBody>
       </p:sp>
     </p:spTree>
     <p:extLst>
       <p:ext uri="{BB962C8B-B14F-4D97-AF65-F5344CB8AC3E}">
-        <p14:creationId xmlns="" xmlns:p14="http://schemas.microsoft.com/office/powerpoint/2010/main" val="1186865994"/>
+        <p14:creationId xmlns:p14="http://schemas.microsoft.com/office/powerpoint/2010/main" xmlns="" val="1186865994"/>
       </p:ext>
     </p:extLst>
   </p:cSld>
@@ -6754,10 +7164,18 @@
           <a:lstStyle/>
           <a:p>
             <a:r>
-              <a:rPr lang="ru-RU" sz="4800" dirty="0" smtClean="0"/>
+              <a:rPr lang="ru-RU" sz="4800" dirty="0" smtClean="0">
+                <a:solidFill>
+                  <a:schemeClr val="bg1"/>
+                </a:solidFill>
+              </a:rPr>
               <a:t>Контроль целостности файла</a:t>
             </a:r>
-            <a:endParaRPr lang="ru-RU" sz="4800" dirty="0"/>
+            <a:endParaRPr lang="ru-RU" sz="4800" dirty="0">
+              <a:solidFill>
+                <a:schemeClr val="bg1"/>
+              </a:solidFill>
+            </a:endParaRPr>
           </a:p>
         </p:txBody>
       </p:sp>
@@ -6787,67 +7205,67 @@
               <a:buNone/>
             </a:pPr>
             <a:r>
-              <a:rPr lang="en-US" sz="1800" dirty="0" smtClean="0"/>
+              <a:rPr lang="en-US" sz="1800" dirty="0" smtClean="0">
+                <a:solidFill>
+                  <a:schemeClr val="bg1"/>
+                </a:solidFill>
+              </a:rPr>
               <a:t>	</a:t>
             </a:r>
             <a:r>
-              <a:rPr lang="ru-RU" sz="1800" dirty="0" smtClean="0"/>
-              <a:t>Реализация </a:t>
-            </a:r>
-            <a:r>
-              <a:rPr lang="ru-RU" sz="1800" dirty="0" smtClean="0"/>
-              <a:t>контроля целостности осуществляется вне </a:t>
-            </a:r>
-            <a:r>
-              <a:rPr lang="ru-RU" sz="1800" dirty="0" smtClean="0"/>
-              <a:t>основной программы. </a:t>
-            </a:r>
-            <a:r>
-              <a:rPr lang="ru-RU" sz="1800" dirty="0" smtClean="0"/>
-              <a:t>При </a:t>
-            </a:r>
-            <a:r>
-              <a:rPr lang="ru-RU" sz="1800" dirty="0" smtClean="0"/>
-              <a:t>запуске программы (сервера или клиента) она </a:t>
-            </a:r>
-            <a:r>
-              <a:rPr lang="ru-RU" sz="1800" dirty="0" smtClean="0"/>
-              <a:t>даёт команду другой программе, которая в целях усложнения её обнаружения замаскирована под базу данных (</a:t>
-            </a:r>
-            <a:r>
-              <a:rPr lang="en-US" sz="1800" dirty="0" smtClean="0"/>
+              <a:rPr lang="ru-RU" sz="1800" dirty="0" smtClean="0">
+                <a:solidFill>
+                  <a:schemeClr val="bg1"/>
+                </a:solidFill>
+              </a:rPr>
+              <a:t>Реализация контроля целостности осуществляется вне основной программы. При запуске программы (сервера или клиента) она даёт команду другой программе, которая в целях усложнения её обнаружения замаскирована под базу данных (</a:t>
+            </a:r>
+            <a:r>
+              <a:rPr lang="en-US" sz="1800" dirty="0" smtClean="0">
+                <a:solidFill>
+                  <a:schemeClr val="bg1"/>
+                </a:solidFill>
+              </a:rPr>
               <a:t>database</a:t>
             </a:r>
             <a:r>
-              <a:rPr lang="ru-RU" sz="1800" dirty="0" smtClean="0"/>
+              <a:rPr lang="ru-RU" sz="1800" dirty="0" smtClean="0">
+                <a:solidFill>
+                  <a:schemeClr val="bg1"/>
+                </a:solidFill>
+              </a:rPr>
               <a:t>.</a:t>
             </a:r>
             <a:r>
-              <a:rPr lang="en-US" sz="1800" dirty="0" err="1" smtClean="0"/>
+              <a:rPr lang="en-US" sz="1800" dirty="0" err="1" smtClean="0">
+                <a:solidFill>
+                  <a:schemeClr val="bg1"/>
+                </a:solidFill>
+              </a:rPr>
               <a:t>rar</a:t>
             </a:r>
             <a:r>
-              <a:rPr lang="ru-RU" sz="1800" dirty="0" smtClean="0"/>
-              <a:t>), на </a:t>
-            </a:r>
-            <a:r>
-              <a:rPr lang="ru-RU" sz="1800" dirty="0" smtClean="0"/>
-              <a:t>запуск. </a:t>
-            </a:r>
-            <a:r>
-              <a:rPr lang="ru-RU" sz="1800" dirty="0" smtClean="0"/>
-              <a:t>Проверка целостности проходит в несколько </a:t>
-            </a:r>
-            <a:r>
-              <a:rPr lang="ru-RU" sz="1800" dirty="0" smtClean="0"/>
-              <a:t>этапов</a:t>
-            </a:r>
-            <a:r>
-              <a:rPr lang="en-US" sz="1800" dirty="0" smtClean="0"/>
+              <a:rPr lang="ru-RU" sz="1800" dirty="0" smtClean="0">
+                <a:solidFill>
+                  <a:schemeClr val="bg1"/>
+                </a:solidFill>
+              </a:rPr>
+              <a:t>), на запуск. Проверка целостности проходит в несколько этапов</a:t>
+            </a:r>
+            <a:r>
+              <a:rPr lang="en-US" sz="1800" dirty="0" smtClean="0">
+                <a:solidFill>
+                  <a:schemeClr val="bg1"/>
+                </a:solidFill>
+              </a:rPr>
               <a:t>:</a:t>
             </a:r>
             <a:r>
-              <a:rPr lang="ru-RU" sz="1800" dirty="0" smtClean="0"/>
+              <a:rPr lang="ru-RU" sz="1800" dirty="0" smtClean="0">
+                <a:solidFill>
+                  <a:schemeClr val="bg1"/>
+                </a:solidFill>
+              </a:rPr>
               <a:t> </a:t>
             </a:r>
           </a:p>
@@ -6856,182 +7274,278 @@
               <a:buNone/>
             </a:pPr>
             <a:r>
-              <a:rPr lang="ru-RU" sz="1800" dirty="0" smtClean="0"/>
-              <a:t>	</a:t>
-            </a:r>
-            <a:r>
-              <a:rPr lang="ru-RU" sz="1800" dirty="0" smtClean="0"/>
-              <a:t>	Первый этап – переименование </a:t>
-            </a:r>
-            <a:r>
-              <a:rPr lang="en-US" sz="1800" dirty="0" smtClean="0"/>
+              <a:rPr lang="ru-RU" sz="1800" dirty="0" smtClean="0">
+                <a:solidFill>
+                  <a:schemeClr val="bg1"/>
+                </a:solidFill>
+              </a:rPr>
+              <a:t>		Первый этап – переименование </a:t>
+            </a:r>
+            <a:r>
+              <a:rPr lang="en-US" sz="1800" dirty="0" smtClean="0">
+                <a:solidFill>
+                  <a:schemeClr val="bg1"/>
+                </a:solidFill>
+              </a:rPr>
               <a:t>database.rar </a:t>
             </a:r>
             <a:r>
-              <a:rPr lang="ru-RU" sz="1800" dirty="0" smtClean="0"/>
+              <a:rPr lang="ru-RU" sz="1800" dirty="0" smtClean="0">
+                <a:solidFill>
+                  <a:schemeClr val="bg1"/>
+                </a:solidFill>
+              </a:rPr>
               <a:t>в </a:t>
             </a:r>
             <a:r>
-              <a:rPr lang="en-US" sz="1800" dirty="0" smtClean="0"/>
+              <a:rPr lang="en-US" sz="1800" dirty="0" smtClean="0">
+                <a:solidFill>
+                  <a:schemeClr val="bg1"/>
+                </a:solidFill>
+              </a:rPr>
               <a:t>temp.exe</a:t>
             </a:r>
             <a:r>
-              <a:rPr lang="ru-RU" sz="1800" dirty="0" smtClean="0"/>
+              <a:rPr lang="ru-RU" sz="1800" dirty="0" smtClean="0">
+                <a:solidFill>
+                  <a:schemeClr val="bg1"/>
+                </a:solidFill>
+              </a:rPr>
               <a:t> и его запуск.</a:t>
             </a:r>
-            <a:endParaRPr lang="en-US" sz="1800" dirty="0" smtClean="0"/>
+            <a:endParaRPr lang="en-US" sz="1800" dirty="0" smtClean="0">
+              <a:solidFill>
+                <a:schemeClr val="bg1"/>
+              </a:solidFill>
+            </a:endParaRPr>
           </a:p>
           <a:p>
             <a:pPr>
               <a:buNone/>
             </a:pPr>
             <a:r>
-              <a:rPr lang="en-US" sz="1800" dirty="0" smtClean="0"/>
-              <a:t>	</a:t>
-            </a:r>
-            <a:r>
-              <a:rPr lang="en-US" sz="1800" dirty="0" smtClean="0"/>
-              <a:t>	</a:t>
-            </a:r>
-            <a:r>
-              <a:rPr lang="ru-RU" sz="1800" dirty="0" smtClean="0"/>
-              <a:t>Второй этап </a:t>
-            </a:r>
-            <a:r>
-              <a:rPr lang="ru-RU" sz="1800" dirty="0" smtClean="0"/>
-              <a:t>– нахождение всех присутствующих дисков на используемом </a:t>
-            </a:r>
-            <a:r>
-              <a:rPr lang="ru-RU" sz="1800" dirty="0" smtClean="0"/>
-              <a:t>компьютере.</a:t>
-            </a:r>
-            <a:endParaRPr lang="en-US" sz="1800" dirty="0" smtClean="0"/>
+              <a:rPr lang="en-US" sz="1800" dirty="0" smtClean="0">
+                <a:solidFill>
+                  <a:schemeClr val="bg1"/>
+                </a:solidFill>
+              </a:rPr>
+              <a:t>		</a:t>
+            </a:r>
+            <a:r>
+              <a:rPr lang="ru-RU" sz="1800" dirty="0" smtClean="0">
+                <a:solidFill>
+                  <a:schemeClr val="bg1"/>
+                </a:solidFill>
+              </a:rPr>
+              <a:t>Второй этап – нахождение всех присутствующих дисков на используемом компьютере.</a:t>
+            </a:r>
+            <a:endParaRPr lang="en-US" sz="1800" dirty="0" smtClean="0">
+              <a:solidFill>
+                <a:schemeClr val="bg1"/>
+              </a:solidFill>
+            </a:endParaRPr>
           </a:p>
           <a:p>
             <a:pPr>
               <a:buNone/>
             </a:pPr>
             <a:r>
-              <a:rPr lang="en-US" sz="1800" dirty="0" smtClean="0"/>
-              <a:t>	</a:t>
-            </a:r>
-            <a:r>
-              <a:rPr lang="en-US" sz="1800" dirty="0" smtClean="0"/>
-              <a:t>	</a:t>
-            </a:r>
-            <a:r>
-              <a:rPr lang="ru-RU" sz="1800" dirty="0" smtClean="0"/>
-              <a:t>Третий </a:t>
-            </a:r>
-            <a:r>
-              <a:rPr lang="ru-RU" sz="1800" dirty="0" smtClean="0"/>
-              <a:t>этап – </a:t>
-            </a:r>
-            <a:r>
-              <a:rPr lang="ru-RU" sz="1800" dirty="0" smtClean="0"/>
-              <a:t>запись </a:t>
-            </a:r>
-            <a:r>
-              <a:rPr lang="en-US" sz="1800" dirty="0" smtClean="0"/>
+              <a:rPr lang="en-US" sz="1800" dirty="0" smtClean="0">
+                <a:solidFill>
+                  <a:schemeClr val="bg1"/>
+                </a:solidFill>
+              </a:rPr>
+              <a:t>		</a:t>
+            </a:r>
+            <a:r>
+              <a:rPr lang="ru-RU" sz="1800" dirty="0" smtClean="0">
+                <a:solidFill>
+                  <a:schemeClr val="bg1"/>
+                </a:solidFill>
+              </a:rPr>
+              <a:t>Третий этап – запись </a:t>
+            </a:r>
+            <a:r>
+              <a:rPr lang="en-US" sz="1800" dirty="0" smtClean="0">
+                <a:solidFill>
+                  <a:schemeClr val="bg1"/>
+                </a:solidFill>
+              </a:rPr>
               <a:t>hash</a:t>
             </a:r>
             <a:r>
-              <a:rPr lang="ru-RU" sz="1800" dirty="0" smtClean="0"/>
-              <a:t> на первый доступный в системе </a:t>
-            </a:r>
-            <a:r>
-              <a:rPr lang="ru-RU" sz="1800" dirty="0" smtClean="0"/>
-              <a:t>диск, в папку </a:t>
-            </a:r>
-            <a:r>
-              <a:rPr lang="en-US" sz="1800" dirty="0" smtClean="0"/>
+              <a:rPr lang="ru-RU" sz="1800" dirty="0" smtClean="0">
+                <a:solidFill>
+                  <a:schemeClr val="bg1"/>
+                </a:solidFill>
+              </a:rPr>
+              <a:t> на первый доступный в системе диск, в папку </a:t>
+            </a:r>
+            <a:r>
+              <a:rPr lang="en-US" sz="1800" dirty="0" smtClean="0">
+                <a:solidFill>
+                  <a:schemeClr val="bg1"/>
+                </a:solidFill>
+              </a:rPr>
               <a:t>temp</a:t>
             </a:r>
             <a:r>
-              <a:rPr lang="ru-RU" sz="1800" dirty="0" smtClean="0"/>
+              <a:rPr lang="ru-RU" sz="1800" dirty="0" smtClean="0">
+                <a:solidFill>
+                  <a:schemeClr val="bg1"/>
+                </a:solidFill>
+              </a:rPr>
               <a:t>, файла </a:t>
             </a:r>
             <a:r>
-              <a:rPr lang="en-US" sz="1800" dirty="0" smtClean="0"/>
+              <a:rPr lang="en-US" sz="1800" dirty="0" smtClean="0">
+                <a:solidFill>
+                  <a:schemeClr val="bg1"/>
+                </a:solidFill>
+              </a:rPr>
               <a:t>ultra</a:t>
             </a:r>
             <a:r>
-              <a:rPr lang="ru-RU" sz="1800" dirty="0" smtClean="0"/>
+              <a:rPr lang="ru-RU" sz="1800" dirty="0" smtClean="0">
+                <a:solidFill>
+                  <a:schemeClr val="bg1"/>
+                </a:solidFill>
+              </a:rPr>
               <a:t>.</a:t>
             </a:r>
             <a:r>
-              <a:rPr lang="en-US" sz="1800" dirty="0" err="1" smtClean="0"/>
+              <a:rPr lang="en-US" sz="1800" dirty="0" err="1" smtClean="0">
+                <a:solidFill>
+                  <a:schemeClr val="bg1"/>
+                </a:solidFill>
+              </a:rPr>
               <a:t>dll</a:t>
             </a:r>
             <a:r>
-              <a:rPr lang="ru-RU" sz="1800" dirty="0" smtClean="0"/>
+              <a:rPr lang="ru-RU" sz="1800" dirty="0" smtClean="0">
+                <a:solidFill>
+                  <a:schemeClr val="bg1"/>
+                </a:solidFill>
+              </a:rPr>
               <a:t>.</a:t>
             </a:r>
-            <a:endParaRPr lang="en-US" sz="1800" dirty="0" smtClean="0"/>
+            <a:endParaRPr lang="en-US" sz="1800" dirty="0" smtClean="0">
+              <a:solidFill>
+                <a:schemeClr val="bg1"/>
+              </a:solidFill>
+            </a:endParaRPr>
           </a:p>
           <a:p>
             <a:pPr>
               <a:buNone/>
             </a:pPr>
             <a:r>
-              <a:rPr lang="en-US" sz="1800" dirty="0" smtClean="0"/>
-              <a:t>	</a:t>
-            </a:r>
-            <a:r>
-              <a:rPr lang="en-US" sz="1800" dirty="0" smtClean="0"/>
-              <a:t>	</a:t>
-            </a:r>
-            <a:r>
-              <a:rPr lang="ru-RU" sz="1800" dirty="0" smtClean="0"/>
+              <a:rPr lang="en-US" sz="1800" dirty="0" smtClean="0">
+                <a:solidFill>
+                  <a:schemeClr val="bg1"/>
+                </a:solidFill>
+              </a:rPr>
+              <a:t>		</a:t>
+            </a:r>
+            <a:r>
+              <a:rPr lang="ru-RU" sz="1800" dirty="0" smtClean="0">
+                <a:solidFill>
+                  <a:schemeClr val="bg1"/>
+                </a:solidFill>
+              </a:rPr>
               <a:t>Четвертый этап – удаление файла </a:t>
             </a:r>
             <a:r>
-              <a:rPr lang="en-US" sz="1800" dirty="0" smtClean="0"/>
+              <a:rPr lang="en-US" sz="1800" dirty="0" smtClean="0">
+                <a:solidFill>
+                  <a:schemeClr val="bg1"/>
+                </a:solidFill>
+              </a:rPr>
               <a:t>ultra.dll, </a:t>
             </a:r>
             <a:r>
-              <a:rPr lang="ru-RU" sz="1800" dirty="0" smtClean="0"/>
+              <a:rPr lang="ru-RU" sz="1800" dirty="0" smtClean="0">
+                <a:solidFill>
+                  <a:schemeClr val="bg1"/>
+                </a:solidFill>
+              </a:rPr>
               <a:t>закрытие программы</a:t>
             </a:r>
             <a:r>
-              <a:rPr lang="en-US" sz="1800" dirty="0" smtClean="0"/>
+              <a:rPr lang="en-US" sz="1800" dirty="0" smtClean="0">
+                <a:solidFill>
+                  <a:schemeClr val="bg1"/>
+                </a:solidFill>
+              </a:rPr>
               <a:t>, </a:t>
             </a:r>
             <a:r>
-              <a:rPr lang="ru-RU" sz="1800" dirty="0" smtClean="0"/>
+              <a:rPr lang="ru-RU" sz="1800" dirty="0" smtClean="0">
+                <a:solidFill>
+                  <a:schemeClr val="bg1"/>
+                </a:solidFill>
+              </a:rPr>
               <a:t>переименование программы подсчитывающей </a:t>
             </a:r>
             <a:r>
-              <a:rPr lang="en-US" sz="1800" dirty="0" smtClean="0"/>
+              <a:rPr lang="en-US" sz="1800" dirty="0" smtClean="0">
+                <a:solidFill>
+                  <a:schemeClr val="bg1"/>
+                </a:solidFill>
+              </a:rPr>
               <a:t>hash </a:t>
             </a:r>
             <a:r>
-              <a:rPr lang="ru-RU" sz="1800" dirty="0" smtClean="0"/>
+              <a:rPr lang="ru-RU" sz="1800" dirty="0" smtClean="0">
+                <a:solidFill>
+                  <a:schemeClr val="bg1"/>
+                </a:solidFill>
+              </a:rPr>
               <a:t>в </a:t>
             </a:r>
             <a:r>
-              <a:rPr lang="en-US" sz="1800" dirty="0" smtClean="0"/>
+              <a:rPr lang="en-US" sz="1800" dirty="0" smtClean="0">
+                <a:solidFill>
+                  <a:schemeClr val="bg1"/>
+                </a:solidFill>
+              </a:rPr>
               <a:t>database.rar</a:t>
             </a:r>
-            <a:endParaRPr lang="ru-RU" sz="1800" dirty="0" smtClean="0"/>
+            <a:endParaRPr lang="ru-RU" sz="1800" dirty="0" smtClean="0">
+              <a:solidFill>
+                <a:schemeClr val="bg1"/>
+              </a:solidFill>
+            </a:endParaRPr>
           </a:p>
           <a:p>
             <a:pPr>
               <a:buNone/>
             </a:pPr>
-            <a:endParaRPr lang="ru-RU" sz="1800" dirty="0" smtClean="0"/>
+            <a:endParaRPr lang="ru-RU" sz="1800" dirty="0" smtClean="0">
+              <a:solidFill>
+                <a:schemeClr val="bg1"/>
+              </a:solidFill>
+            </a:endParaRPr>
           </a:p>
           <a:p>
             <a:pPr>
               <a:buNone/>
             </a:pPr>
-            <a:endParaRPr lang="ru-RU" sz="1800" dirty="0" smtClean="0"/>
+            <a:endParaRPr lang="ru-RU" sz="1800" dirty="0" smtClean="0">
+              <a:solidFill>
+                <a:schemeClr val="bg1"/>
+              </a:solidFill>
+            </a:endParaRPr>
           </a:p>
           <a:p>
             <a:pPr>
               <a:buNone/>
             </a:pPr>
-            <a:endParaRPr lang="ru-RU" sz="1800" dirty="0" smtClean="0"/>
+            <a:endParaRPr lang="ru-RU" sz="1800" dirty="0" smtClean="0">
+              <a:solidFill>
+                <a:schemeClr val="bg1"/>
+              </a:solidFill>
+            </a:endParaRPr>
           </a:p>
         </p:txBody>
       </p:sp>
@@ -7091,25 +7605,41 @@
           <a:lstStyle/>
           <a:p>
             <a:r>
-              <a:rPr lang="ru-RU" dirty="0" smtClean="0"/>
+              <a:rPr lang="ru-RU" dirty="0" smtClean="0">
+                <a:solidFill>
+                  <a:schemeClr val="bg1"/>
+                </a:solidFill>
+              </a:rPr>
               <a:t>	Обнаружить </a:t>
             </a:r>
             <a:r>
-              <a:rPr lang="en-US" dirty="0" smtClean="0"/>
+              <a:rPr lang="en-US" dirty="0" smtClean="0">
+                <a:solidFill>
+                  <a:schemeClr val="bg1"/>
+                </a:solidFill>
+              </a:rPr>
               <a:t>temp.exe </a:t>
             </a:r>
             <a:r>
-              <a:rPr lang="ru-RU" dirty="0" smtClean="0"/>
+              <a:rPr lang="ru-RU" dirty="0" smtClean="0">
+                <a:solidFill>
+                  <a:schemeClr val="bg1"/>
+                </a:solidFill>
+              </a:rPr>
               <a:t>можно лишь в диспетчере задач, так как программа открывается в невидимом режиме</a:t>
             </a:r>
-            <a:endParaRPr lang="ru-RU" dirty="0"/>
+            <a:endParaRPr lang="ru-RU" dirty="0">
+              <a:solidFill>
+                <a:schemeClr val="bg1"/>
+              </a:solidFill>
+            </a:endParaRPr>
           </a:p>
         </p:txBody>
       </p:sp>
     </p:spTree>
     <p:extLst>
       <p:ext uri="{BB962C8B-B14F-4D97-AF65-F5344CB8AC3E}">
-        <p14:creationId xmlns="" xmlns:p14="http://schemas.microsoft.com/office/powerpoint/2010/main" val="1539953928"/>
+        <p14:creationId xmlns:p14="http://schemas.microsoft.com/office/powerpoint/2010/main" xmlns="" val="1539953928"/>
       </p:ext>
     </p:extLst>
   </p:cSld>
@@ -7167,6 +7697,9 @@
           <a:p>
             <a:r>
               <a:rPr lang="ru-RU" sz="4400" dirty="0" smtClean="0">
+                <a:solidFill>
+                  <a:schemeClr val="bg1"/>
+                </a:solidFill>
                 <a:latin typeface="+mn-lt"/>
                 <a:ea typeface="Yu Gothic" panose="020B0400000000000000" pitchFamily="34" charset="-128"/>
               </a:rPr>
@@ -7174,6 +7707,9 @@
             </a:r>
             <a:r>
               <a:rPr lang="en-US" sz="4400" dirty="0" smtClean="0">
+                <a:solidFill>
+                  <a:schemeClr val="bg1"/>
+                </a:solidFill>
                 <a:latin typeface="+mn-lt"/>
                 <a:ea typeface="Yu Gothic" panose="020B0400000000000000" pitchFamily="34" charset="-128"/>
               </a:rPr>
@@ -7181,6 +7717,9 @@
             </a:r>
             <a:r>
               <a:rPr lang="ru-RU" sz="4400" dirty="0">
+                <a:solidFill>
+                  <a:schemeClr val="bg1"/>
+                </a:solidFill>
                 <a:latin typeface="+mn-lt"/>
                 <a:ea typeface="Yu Gothic" panose="020B0400000000000000" pitchFamily="34" charset="-128"/>
               </a:rPr>
@@ -7188,6 +7727,9 @@
             </a:r>
             <a:r>
               <a:rPr lang="ru-RU" sz="4400" dirty="0" smtClean="0">
+                <a:solidFill>
+                  <a:schemeClr val="bg1"/>
+                </a:solidFill>
                 <a:latin typeface="+mn-lt"/>
                 <a:ea typeface="Yu Gothic" panose="020B0400000000000000" pitchFamily="34" charset="-128"/>
               </a:rPr>
@@ -7195,6 +7737,9 @@
             </a:r>
             <a:r>
               <a:rPr lang="ru-RU" sz="4400" dirty="0" err="1" smtClean="0">
+                <a:solidFill>
+                  <a:schemeClr val="bg1"/>
+                </a:solidFill>
                 <a:latin typeface="+mn-lt"/>
                 <a:ea typeface="Yu Gothic" panose="020B0400000000000000" pitchFamily="34" charset="-128"/>
               </a:rPr>
@@ -7202,6 +7747,9 @@
             </a:r>
             <a:r>
               <a:rPr lang="ru-RU" sz="4400" dirty="0" smtClean="0">
+                <a:solidFill>
+                  <a:schemeClr val="bg1"/>
+                </a:solidFill>
                 <a:latin typeface="+mn-lt"/>
                 <a:ea typeface="Yu Gothic" panose="020B0400000000000000" pitchFamily="34" charset="-128"/>
               </a:rPr>
@@ -7209,22 +7757,34 @@
             </a:r>
             <a:r>
               <a:rPr lang="ru-RU" sz="4400" dirty="0">
+                <a:solidFill>
+                  <a:schemeClr val="bg1"/>
+                </a:solidFill>
                 <a:latin typeface="+mn-lt"/>
               </a:rPr>
               <a:t/>
             </a:r>
             <a:br>
               <a:rPr lang="ru-RU" sz="4400" dirty="0">
+                <a:solidFill>
+                  <a:schemeClr val="bg1"/>
+                </a:solidFill>
                 <a:latin typeface="+mn-lt"/>
               </a:rPr>
             </a:br>
             <a:r>
               <a:rPr lang="ru-RU" sz="4800" dirty="0" smtClean="0">
+                <a:solidFill>
+                  <a:schemeClr val="bg1"/>
+                </a:solidFill>
                 <a:latin typeface="+mn-lt"/>
               </a:rPr>
               <a:t> </a:t>
             </a:r>
             <a:endParaRPr lang="ru-RU" sz="4800" dirty="0">
+              <a:solidFill>
+                <a:schemeClr val="bg1"/>
+              </a:solidFill>
               <a:latin typeface="+mn-lt"/>
             </a:endParaRPr>
           </a:p>
@@ -7253,25 +7813,20 @@
           <a:p>
             <a:r>
               <a:rPr lang="ru-RU" sz="2000" dirty="0" smtClean="0">
+                <a:solidFill>
+                  <a:schemeClr val="bg1"/>
+                </a:solidFill>
                 <a:ea typeface="Yu Gothic" panose="020B0400000000000000" pitchFamily="34" charset="-128"/>
               </a:rPr>
-              <a:t>Цель: провести анализ защиты </a:t>
-            </a:r>
-            <a:r>
-              <a:rPr lang="ru-RU" sz="2000" dirty="0" smtClean="0">
-                <a:ea typeface="Yu Gothic" panose="020B0400000000000000" pitchFamily="34" charset="-128"/>
-              </a:rPr>
-              <a:t>программного </a:t>
-            </a:r>
-            <a:r>
-              <a:rPr lang="ru-RU" sz="2000" dirty="0" smtClean="0">
-                <a:ea typeface="Yu Gothic" panose="020B0400000000000000" pitchFamily="34" charset="-128"/>
-              </a:rPr>
-              <a:t>продукта.</a:t>
-            </a:r>
-          </a:p>
-          <a:p>
-            <a:endParaRPr lang="ru-RU" dirty="0"/>
+              <a:t>Цель: провести анализ защиты программного продукта.</a:t>
+            </a:r>
+          </a:p>
+          <a:p>
+            <a:endParaRPr lang="ru-RU" dirty="0">
+              <a:solidFill>
+                <a:schemeClr val="bg1"/>
+              </a:solidFill>
+            </a:endParaRPr>
           </a:p>
         </p:txBody>
       </p:sp>
@@ -7298,10 +7853,13 @@
           <a:lstStyle/>
           <a:p>
             <a:r>
-              <a:rPr lang="ru-RU" dirty="0" smtClean="0"/>
+              <a:rPr lang="ru-RU" dirty="0" smtClean="0">
+                <a:solidFill>
+                  <a:schemeClr val="bg1"/>
+                </a:solidFill>
+              </a:rPr>
               <a:t>	Первое, на что нужно обратить внимание – какие данные хранят в себе приложения. Попытаться их как-то использовать. Если это не дало какие-либо результатов, то нужно посмотреть, какие функции имеет приложение.</a:t>
             </a:r>
-            <a:endParaRPr lang="ru-RU" dirty="0" smtClean="0"/>
           </a:p>
         </p:txBody>
       </p:sp>
@@ -7391,22 +7949,42 @@
           <a:lstStyle/>
           <a:p>
             <a:r>
-              <a:rPr lang="ru-RU" dirty="0" smtClean="0"/>
+              <a:rPr lang="ru-RU" dirty="0" smtClean="0">
+                <a:solidFill>
+                  <a:schemeClr val="bg1"/>
+                </a:solidFill>
+              </a:rPr>
               <a:t>	Например сервер имеет функцию </a:t>
             </a:r>
             <a:r>
-              <a:rPr lang="en-US" dirty="0" err="1" smtClean="0"/>
+              <a:rPr lang="en-US" dirty="0" err="1" smtClean="0">
+                <a:solidFill>
+                  <a:schemeClr val="bg1"/>
+                </a:solidFill>
+              </a:rPr>
               <a:t>GetHash</a:t>
             </a:r>
             <a:r>
-              <a:rPr lang="en-US" dirty="0" smtClean="0"/>
+              <a:rPr lang="en-US" dirty="0" smtClean="0">
+                <a:solidFill>
+                  <a:schemeClr val="bg1"/>
+                </a:solidFill>
+              </a:rPr>
               <a:t>. </a:t>
             </a:r>
             <a:r>
-              <a:rPr lang="ru-RU" dirty="0" smtClean="0"/>
+              <a:rPr lang="ru-RU" dirty="0" smtClean="0">
+                <a:solidFill>
+                  <a:schemeClr val="bg1"/>
+                </a:solidFill>
+              </a:rPr>
               <a:t>А прямиком рядом с ней есть строчка, где выводится о создании сервера. </a:t>
             </a:r>
-            <a:endParaRPr lang="ru-RU" sz="1400" dirty="0"/>
+            <a:endParaRPr lang="ru-RU" sz="1400" dirty="0">
+              <a:solidFill>
+                <a:schemeClr val="bg1"/>
+              </a:solidFill>
+            </a:endParaRPr>
           </a:p>
         </p:txBody>
       </p:sp>
@@ -7432,38 +8010,58 @@
           <a:lstStyle/>
           <a:p>
             <a:r>
-              <a:rPr lang="ru-RU" dirty="0" smtClean="0"/>
-              <a:t>	Без </a:t>
-            </a:r>
-            <a:r>
-              <a:rPr lang="ru-RU" dirty="0" smtClean="0"/>
-              <a:t>правильного пароля мы не доходим до этой строчки. Команда </a:t>
-            </a:r>
-            <a:r>
-              <a:rPr lang="en-US" dirty="0" smtClean="0"/>
+              <a:rPr lang="ru-RU" dirty="0" smtClean="0">
+                <a:solidFill>
+                  <a:schemeClr val="bg1"/>
+                </a:solidFill>
+              </a:rPr>
+              <a:t>	Без правильного пароля мы не доходим до этой строчки. Команда </a:t>
+            </a:r>
+            <a:r>
+              <a:rPr lang="en-US" dirty="0" smtClean="0">
+                <a:solidFill>
+                  <a:schemeClr val="bg1"/>
+                </a:solidFill>
+              </a:rPr>
               <a:t>JNZ</a:t>
             </a:r>
             <a:r>
-              <a:rPr lang="ru-RU" dirty="0" smtClean="0"/>
+              <a:rPr lang="ru-RU" dirty="0" smtClean="0">
+                <a:solidFill>
+                  <a:schemeClr val="bg1"/>
+                </a:solidFill>
+              </a:rPr>
               <a:t>, которая находится после функции </a:t>
             </a:r>
             <a:r>
-              <a:rPr lang="en-US" dirty="0" err="1" smtClean="0"/>
+              <a:rPr lang="en-US" dirty="0" err="1" smtClean="0">
+                <a:solidFill>
+                  <a:schemeClr val="bg1"/>
+                </a:solidFill>
+              </a:rPr>
               <a:t>GetHash</a:t>
             </a:r>
             <a:r>
-              <a:rPr lang="en-US" dirty="0" smtClean="0"/>
+              <a:rPr lang="en-US" dirty="0" smtClean="0">
+                <a:solidFill>
+                  <a:schemeClr val="bg1"/>
+                </a:solidFill>
+              </a:rPr>
               <a:t> </a:t>
             </a:r>
             <a:r>
-              <a:rPr lang="ru-RU" dirty="0" smtClean="0"/>
-              <a:t>ведет нас к выходу из программы. Избавимся от этого </a:t>
-            </a:r>
-            <a:r>
-              <a:rPr lang="ru-RU" dirty="0" smtClean="0"/>
-              <a:t>перехода.</a:t>
-            </a:r>
-            <a:endParaRPr lang="ru-RU" dirty="0"/>
+              <a:rPr lang="ru-RU" dirty="0" smtClean="0">
+                <a:solidFill>
+                  <a:schemeClr val="bg1"/>
+                </a:solidFill>
+              </a:rPr>
+              <a:t>ведет нас к выходу из программы. Избавимся от этого перехода.</a:t>
+            </a:r>
+            <a:endParaRPr lang="ru-RU" dirty="0">
+              <a:solidFill>
+                <a:schemeClr val="bg1"/>
+              </a:solidFill>
+            </a:endParaRPr>
           </a:p>
         </p:txBody>
       </p:sp>
@@ -7491,7 +8089,7 @@
           <a:noFill/>
           <a:ln w="28575">
             <a:solidFill>
-              <a:schemeClr val="tx1"/>
+              <a:schemeClr val="bg1"/>
             </a:solidFill>
             <a:miter lim="800000"/>
             <a:headEnd/>
@@ -7502,7 +8100,7 @@
     </p:spTree>
     <p:extLst>
       <p:ext uri="{BB962C8B-B14F-4D97-AF65-F5344CB8AC3E}">
-        <p14:creationId xmlns="" xmlns:p14="http://schemas.microsoft.com/office/powerpoint/2010/main" val="4257821356"/>
+        <p14:creationId xmlns:p14="http://schemas.microsoft.com/office/powerpoint/2010/main" xmlns="" val="4257821356"/>
       </p:ext>
     </p:extLst>
   </p:cSld>
@@ -7562,7 +8160,11 @@
               <a:buNone/>
             </a:pPr>
             <a:r>
-              <a:rPr lang="ru-RU" sz="1800" dirty="0" smtClean="0"/>
+              <a:rPr lang="ru-RU" sz="1800" dirty="0" smtClean="0">
+                <a:solidFill>
+                  <a:schemeClr val="bg1"/>
+                </a:solidFill>
+              </a:rPr>
               <a:t>	Теперь при вводе любого пароля сервер продолжает свою работу. </a:t>
             </a:r>
           </a:p>
@@ -7571,7 +8173,11 @@
               <a:buNone/>
             </a:pPr>
             <a:r>
-              <a:rPr lang="ru-RU" sz="1800" dirty="0" smtClean="0"/>
+              <a:rPr lang="ru-RU" sz="1800" dirty="0" smtClean="0">
+                <a:solidFill>
+                  <a:schemeClr val="bg1"/>
+                </a:solidFill>
+              </a:rPr>
               <a:t>	</a:t>
             </a:r>
           </a:p>
@@ -7580,12 +8186,12 @@
               <a:buNone/>
             </a:pPr>
             <a:r>
-              <a:rPr lang="ru-RU" sz="1800" dirty="0" smtClean="0"/>
-              <a:t>	</a:t>
-            </a:r>
-            <a:r>
-              <a:rPr lang="ru-RU" sz="1800" dirty="0" smtClean="0"/>
-              <a:t>Попробуем подключиться к серверу с помощью клиента. Программа клиента также просит пароль. При вводе спонтанного пароля клиент завершает свою работу. Если же ничего не вводить, то клиент выключается спустя 10 секунд, как и указано в приложении.</a:t>
+              <a:rPr lang="ru-RU" sz="1800" dirty="0" smtClean="0">
+                <a:solidFill>
+                  <a:schemeClr val="bg1"/>
+                </a:solidFill>
+              </a:rPr>
+              <a:t>	Попробуем подключиться к серверу с помощью клиента. Программа клиента также просит пароль. При вводе спонтанного пароля клиент завершает свою работу. Если же ничего не вводить, то клиент выключается спустя 10 секунд, как и указано в приложении.</a:t>
             </a:r>
           </a:p>
           <a:p>
@@ -7593,30 +8199,42 @@
               <a:buNone/>
             </a:pPr>
             <a:r>
-              <a:rPr lang="ru-RU" sz="1800" dirty="0" smtClean="0"/>
-              <a:t>	</a:t>
-            </a:r>
-            <a:r>
-              <a:rPr lang="ru-RU" sz="1800" dirty="0" smtClean="0"/>
-              <a:t>На сервере, если клиент ввел неправильный пароль отображается сообщение </a:t>
-            </a:r>
-            <a:r>
-              <a:rPr lang="en-US" sz="1800" dirty="0" smtClean="0"/>
+              <a:rPr lang="ru-RU" sz="1800" dirty="0" smtClean="0">
+                <a:solidFill>
+                  <a:schemeClr val="bg1"/>
+                </a:solidFill>
+              </a:rPr>
+              <a:t>	На сервере, если клиент ввел неправильный пароль отображается сообщение </a:t>
+            </a:r>
+            <a:r>
+              <a:rPr lang="en-US" sz="1800" dirty="0" smtClean="0">
+                <a:solidFill>
+                  <a:schemeClr val="bg1"/>
+                </a:solidFill>
+              </a:rPr>
               <a:t>“Error password”, </a:t>
             </a:r>
             <a:r>
-              <a:rPr lang="ru-RU" sz="1800" dirty="0" smtClean="0"/>
+              <a:rPr lang="ru-RU" sz="1800" dirty="0" smtClean="0">
+                <a:solidFill>
+                  <a:schemeClr val="bg1"/>
+                </a:solidFill>
+              </a:rPr>
               <a:t>если же пользователь ничего не ввел, то </a:t>
             </a:r>
             <a:r>
-              <a:rPr lang="en-US" sz="1800" dirty="0" smtClean="0"/>
-              <a:t>“</a:t>
-            </a:r>
-            <a:r>
-              <a:rPr lang="en-US" sz="1800" dirty="0" smtClean="0"/>
-              <a:t>timeout client”</a:t>
-            </a:r>
-            <a:endParaRPr lang="ru-RU" dirty="0"/>
+              <a:rPr lang="en-US" sz="1800" dirty="0" smtClean="0">
+                <a:solidFill>
+                  <a:schemeClr val="bg1"/>
+                </a:solidFill>
+              </a:rPr>
+              <a:t>“timeout client”</a:t>
+            </a:r>
+            <a:endParaRPr lang="ru-RU" dirty="0">
+              <a:solidFill>
+                <a:schemeClr val="bg1"/>
+              </a:solidFill>
+            </a:endParaRPr>
           </a:p>
         </p:txBody>
       </p:sp>
@@ -7644,7 +8262,7 @@
           <a:noFill/>
           <a:ln w="28575">
             <a:solidFill>
-              <a:schemeClr val="tx1"/>
+              <a:schemeClr val="bg1"/>
             </a:solidFill>
             <a:miter lim="800000"/>
             <a:headEnd/>
@@ -7676,7 +8294,7 @@
           <a:noFill/>
           <a:ln w="28575">
             <a:solidFill>
-              <a:schemeClr val="tx1"/>
+              <a:schemeClr val="bg1"/>
             </a:solidFill>
             <a:miter lim="800000"/>
             <a:headEnd/>
@@ -7706,8 +8324,10 @@
             <a:avLst/>
           </a:prstGeom>
           <a:noFill/>
-          <a:ln w="9525">
-            <a:noFill/>
+          <a:ln w="28575">
+            <a:solidFill>
+              <a:schemeClr val="bg1"/>
+            </a:solidFill>
             <a:miter lim="800000"/>
             <a:headEnd/>
             <a:tailEnd/>
@@ -7717,7 +8337,7 @@
     </p:spTree>
     <p:extLst>
       <p:ext uri="{BB962C8B-B14F-4D97-AF65-F5344CB8AC3E}">
-        <p14:creationId xmlns="" xmlns:p14="http://schemas.microsoft.com/office/powerpoint/2010/main" val="1966555652"/>
+        <p14:creationId xmlns:p14="http://schemas.microsoft.com/office/powerpoint/2010/main" xmlns="" val="1966555652"/>
       </p:ext>
     </p:extLst>
   </p:cSld>
